--- a/presentation.pptx
+++ b/presentation.pptx
@@ -5,7 +5,7 @@
     <p:sldMasterId id="2147483774" r:id="rId1"/>
   </p:sldMasterIdLst>
   <p:notesMasterIdLst>
-    <p:notesMasterId r:id="rId18"/>
+    <p:notesMasterId r:id="rId17"/>
   </p:notesMasterIdLst>
   <p:sldIdLst>
     <p:sldId id="256" r:id="rId2"/>
@@ -23,7 +23,6 @@
     <p:sldId id="271" r:id="rId14"/>
     <p:sldId id="272" r:id="rId15"/>
     <p:sldId id="273" r:id="rId16"/>
-    <p:sldId id="274" r:id="rId17"/>
   </p:sldIdLst>
   <p:sldSz cx="12192000" cy="6858000"/>
   <p:notesSz cx="6858000" cy="9144000"/>
@@ -122,6 +121,11 @@
       </a:defRPr>
     </a:lvl9pPr>
   </p:defaultTextStyle>
+  <p:extLst>
+    <p:ext uri="{EFAFB233-063F-42B5-8137-9DF3F51BA10A}">
+      <p15:sldGuideLst xmlns:p15="http://schemas.microsoft.com/office/powerpoint/2012/main"/>
+    </p:ext>
+  </p:extLst>
 </p:presentation>
 </file>
 
@@ -271,35 +275,35 @@
           <a:p>
             <a:pPr lvl="0"/>
             <a:r>
-              <a:rPr lang="en-US" smtClean="0"/>
+              <a:rPr lang="en-US"/>
               <a:t>Click to edit Master text styles</a:t>
             </a:r>
           </a:p>
           <a:p>
             <a:pPr lvl="1"/>
             <a:r>
-              <a:rPr lang="en-US" smtClean="0"/>
+              <a:rPr lang="en-US"/>
               <a:t>Second level</a:t>
             </a:r>
           </a:p>
           <a:p>
             <a:pPr lvl="2"/>
             <a:r>
-              <a:rPr lang="en-US" smtClean="0"/>
+              <a:rPr lang="en-US"/>
               <a:t>Third level</a:t>
             </a:r>
           </a:p>
           <a:p>
             <a:pPr lvl="3"/>
             <a:r>
-              <a:rPr lang="en-US" smtClean="0"/>
+              <a:rPr lang="en-US"/>
               <a:t>Fourth level</a:t>
             </a:r>
           </a:p>
           <a:p>
             <a:pPr lvl="4"/>
             <a:r>
-              <a:rPr lang="en-US" smtClean="0"/>
+              <a:rPr lang="en-US"/>
               <a:t>Fifth level</a:t>
             </a:r>
             <a:endParaRPr lang="en-CA"/>
@@ -559,6 +563,90 @@
 </p:notes>
 </file>
 
+<file path=ppt/notesSlides/notesSlide2.xml><?xml version="1.0" encoding="utf-8"?>
+<p:notes xmlns:a="http://schemas.openxmlformats.org/drawingml/2006/main" xmlns:r="http://schemas.openxmlformats.org/officeDocument/2006/relationships" xmlns:p="http://schemas.openxmlformats.org/presentationml/2006/main">
+  <p:cSld>
+    <p:spTree>
+      <p:nvGrpSpPr>
+        <p:cNvPr id="1" name=""/>
+        <p:cNvGrpSpPr/>
+        <p:nvPr/>
+      </p:nvGrpSpPr>
+      <p:grpSpPr>
+        <a:xfrm>
+          <a:off x="0" y="0"/>
+          <a:ext cx="0" cy="0"/>
+          <a:chOff x="0" y="0"/>
+          <a:chExt cx="0" cy="0"/>
+        </a:xfrm>
+      </p:grpSpPr>
+      <p:sp>
+        <p:nvSpPr>
+          <p:cNvPr id="2" name="Slide Image Placeholder 1"/>
+          <p:cNvSpPr>
+            <a:spLocks noGrp="1" noRot="1" noChangeAspect="1"/>
+          </p:cNvSpPr>
+          <p:nvPr>
+            <p:ph type="sldImg"/>
+          </p:nvPr>
+        </p:nvSpPr>
+        <p:spPr/>
+      </p:sp>
+      <p:sp>
+        <p:nvSpPr>
+          <p:cNvPr id="3" name="Notes Placeholder 2"/>
+          <p:cNvSpPr>
+            <a:spLocks noGrp="1"/>
+          </p:cNvSpPr>
+          <p:nvPr>
+            <p:ph type="body" idx="1"/>
+          </p:nvPr>
+        </p:nvSpPr>
+        <p:spPr/>
+        <p:txBody>
+          <a:bodyPr/>
+          <a:lstStyle/>
+          <a:p>
+            <a:endParaRPr lang="en-US"/>
+          </a:p>
+        </p:txBody>
+      </p:sp>
+      <p:sp>
+        <p:nvSpPr>
+          <p:cNvPr id="4" name="Slide Number Placeholder 3"/>
+          <p:cNvSpPr>
+            <a:spLocks noGrp="1"/>
+          </p:cNvSpPr>
+          <p:nvPr>
+            <p:ph type="sldNum" sz="quarter" idx="5"/>
+          </p:nvPr>
+        </p:nvSpPr>
+        <p:spPr/>
+        <p:txBody>
+          <a:bodyPr/>
+          <a:lstStyle/>
+          <a:p>
+            <a:fld id="{BBD473C6-6F21-4C72-8C22-5D1101BCE575}" type="slidenum">
+              <a:rPr lang="en-CA" smtClean="0"/>
+              <a:t>13</a:t>
+            </a:fld>
+            <a:endParaRPr lang="en-CA"/>
+          </a:p>
+        </p:txBody>
+      </p:sp>
+    </p:spTree>
+    <p:extLst>
+      <p:ext uri="{BB962C8B-B14F-4D97-AF65-F5344CB8AC3E}">
+        <p14:creationId xmlns:p14="http://schemas.microsoft.com/office/powerpoint/2010/main" val="2711580346"/>
+      </p:ext>
+    </p:extLst>
+  </p:cSld>
+  <p:clrMapOvr>
+    <a:masterClrMapping/>
+  </p:clrMapOvr>
+</p:notes>
+</file>
+
 <file path=ppt/slideLayouts/slideLayout1.xml><?xml version="1.0" encoding="utf-8"?>
 <p:sldLayout xmlns:a="http://schemas.openxmlformats.org/drawingml/2006/main" xmlns:r="http://schemas.openxmlformats.org/officeDocument/2006/relationships" xmlns:p="http://schemas.openxmlformats.org/presentationml/2006/main" showMasterSp="0" type="title" preserve="1">
   <p:cSld name="Title Slide">
@@ -689,7 +777,7 @@
           </a:lstStyle>
           <a:p>
             <a:r>
-              <a:rPr lang="en-US" smtClean="0"/>
+              <a:rPr lang="en-US"/>
               <a:t>Click to edit Master title style</a:t>
             </a:r>
             <a:endParaRPr lang="en-US" dirty="0"/>
@@ -761,7 +849,7 @@
           </a:lstStyle>
           <a:p>
             <a:r>
-              <a:rPr lang="en-US" smtClean="0"/>
+              <a:rPr lang="en-US"/>
               <a:t>Click to edit Master subtitle style</a:t>
             </a:r>
             <a:endParaRPr lang="en-US" dirty="0"/>
@@ -917,7 +1005,7 @@
           <a:lstStyle/>
           <a:p>
             <a:r>
-              <a:rPr lang="en-US" smtClean="0"/>
+              <a:rPr lang="en-US"/>
               <a:t>Click to edit Master title style</a:t>
             </a:r>
             <a:endParaRPr lang="en-US" dirty="0"/>
@@ -941,35 +1029,35 @@
           <a:p>
             <a:pPr lvl="0"/>
             <a:r>
-              <a:rPr lang="en-US" smtClean="0"/>
+              <a:rPr lang="en-US"/>
               <a:t>Click to edit Master text styles</a:t>
             </a:r>
           </a:p>
           <a:p>
             <a:pPr lvl="1"/>
             <a:r>
-              <a:rPr lang="en-US" smtClean="0"/>
+              <a:rPr lang="en-US"/>
               <a:t>Second level</a:t>
             </a:r>
           </a:p>
           <a:p>
             <a:pPr lvl="2"/>
             <a:r>
-              <a:rPr lang="en-US" smtClean="0"/>
+              <a:rPr lang="en-US"/>
               <a:t>Third level</a:t>
             </a:r>
           </a:p>
           <a:p>
             <a:pPr lvl="3"/>
             <a:r>
-              <a:rPr lang="en-US" smtClean="0"/>
+              <a:rPr lang="en-US"/>
               <a:t>Fourth level</a:t>
             </a:r>
           </a:p>
           <a:p>
             <a:pPr lvl="4"/>
             <a:r>
-              <a:rPr lang="en-US" smtClean="0"/>
+              <a:rPr lang="en-US"/>
               <a:t>Fifth level</a:t>
             </a:r>
             <a:endParaRPr lang="en-US" dirty="0"/>
@@ -1168,7 +1256,7 @@
           <a:lstStyle/>
           <a:p>
             <a:r>
-              <a:rPr lang="en-US" smtClean="0"/>
+              <a:rPr lang="en-US"/>
               <a:t>Click to edit Master title style</a:t>
             </a:r>
             <a:endParaRPr lang="en-US" dirty="0"/>
@@ -1197,35 +1285,35 @@
           <a:p>
             <a:pPr lvl="0"/>
             <a:r>
-              <a:rPr lang="en-US" smtClean="0"/>
+              <a:rPr lang="en-US"/>
               <a:t>Click to edit Master text styles</a:t>
             </a:r>
           </a:p>
           <a:p>
             <a:pPr lvl="1"/>
             <a:r>
-              <a:rPr lang="en-US" smtClean="0"/>
+              <a:rPr lang="en-US"/>
               <a:t>Second level</a:t>
             </a:r>
           </a:p>
           <a:p>
             <a:pPr lvl="2"/>
             <a:r>
-              <a:rPr lang="en-US" smtClean="0"/>
+              <a:rPr lang="en-US"/>
               <a:t>Third level</a:t>
             </a:r>
           </a:p>
           <a:p>
             <a:pPr lvl="3"/>
             <a:r>
-              <a:rPr lang="en-US" smtClean="0"/>
+              <a:rPr lang="en-US"/>
               <a:t>Fourth level</a:t>
             </a:r>
           </a:p>
           <a:p>
             <a:pPr lvl="4"/>
             <a:r>
-              <a:rPr lang="en-US" smtClean="0"/>
+              <a:rPr lang="en-US"/>
               <a:t>Fifth level</a:t>
             </a:r>
             <a:endParaRPr lang="en-US" dirty="0"/>
@@ -1347,7 +1435,7 @@
           </a:lstStyle>
           <a:p>
             <a:r>
-              <a:rPr lang="en-US" smtClean="0"/>
+              <a:rPr lang="en-US"/>
               <a:t>Click to edit Master title style</a:t>
             </a:r>
             <a:endParaRPr lang="en-US" dirty="0"/>
@@ -1371,35 +1459,35 @@
           <a:p>
             <a:pPr lvl="0"/>
             <a:r>
-              <a:rPr lang="en-US" smtClean="0"/>
+              <a:rPr lang="en-US"/>
               <a:t>Click to edit Master text styles</a:t>
             </a:r>
           </a:p>
           <a:p>
             <a:pPr lvl="1"/>
             <a:r>
-              <a:rPr lang="en-US" smtClean="0"/>
+              <a:rPr lang="en-US"/>
               <a:t>Second level</a:t>
             </a:r>
           </a:p>
           <a:p>
             <a:pPr lvl="2"/>
             <a:r>
-              <a:rPr lang="en-US" smtClean="0"/>
+              <a:rPr lang="en-US"/>
               <a:t>Third level</a:t>
             </a:r>
           </a:p>
           <a:p>
             <a:pPr lvl="3"/>
             <a:r>
-              <a:rPr lang="en-US" smtClean="0"/>
+              <a:rPr lang="en-US"/>
               <a:t>Fourth level</a:t>
             </a:r>
           </a:p>
           <a:p>
             <a:pPr lvl="4"/>
             <a:r>
-              <a:rPr lang="en-US" smtClean="0"/>
+              <a:rPr lang="en-US"/>
               <a:t>Fifth level</a:t>
             </a:r>
             <a:endParaRPr lang="en-US" dirty="0"/>
@@ -1622,7 +1710,7 @@
           </a:lstStyle>
           <a:p>
             <a:r>
-              <a:rPr lang="en-US" smtClean="0"/>
+              <a:rPr lang="en-US"/>
               <a:t>Click to edit Master title style</a:t>
             </a:r>
             <a:endParaRPr lang="en-US" dirty="0"/>
@@ -1743,7 +1831,7 @@
           <a:p>
             <a:pPr lvl="0"/>
             <a:r>
-              <a:rPr lang="en-US" smtClean="0"/>
+              <a:rPr lang="en-US"/>
               <a:t>Click to edit Master text styles</a:t>
             </a:r>
           </a:p>
@@ -1903,7 +1991,7 @@
           <a:lstStyle/>
           <a:p>
             <a:r>
-              <a:rPr lang="en-US" smtClean="0"/>
+              <a:rPr lang="en-US"/>
               <a:t>Click to edit Master title style</a:t>
             </a:r>
             <a:endParaRPr lang="en-US" dirty="0"/>
@@ -1932,35 +2020,35 @@
           <a:p>
             <a:pPr lvl="0"/>
             <a:r>
-              <a:rPr lang="en-US" smtClean="0"/>
+              <a:rPr lang="en-US"/>
               <a:t>Click to edit Master text styles</a:t>
             </a:r>
           </a:p>
           <a:p>
             <a:pPr lvl="1"/>
             <a:r>
-              <a:rPr lang="en-US" smtClean="0"/>
+              <a:rPr lang="en-US"/>
               <a:t>Second level</a:t>
             </a:r>
           </a:p>
           <a:p>
             <a:pPr lvl="2"/>
             <a:r>
-              <a:rPr lang="en-US" smtClean="0"/>
+              <a:rPr lang="en-US"/>
               <a:t>Third level</a:t>
             </a:r>
           </a:p>
           <a:p>
             <a:pPr lvl="3"/>
             <a:r>
-              <a:rPr lang="en-US" smtClean="0"/>
+              <a:rPr lang="en-US"/>
               <a:t>Fourth level</a:t>
             </a:r>
           </a:p>
           <a:p>
             <a:pPr lvl="4"/>
             <a:r>
-              <a:rPr lang="en-US" smtClean="0"/>
+              <a:rPr lang="en-US"/>
               <a:t>Fifth level</a:t>
             </a:r>
             <a:endParaRPr lang="en-US" dirty="0"/>
@@ -1989,35 +2077,35 @@
           <a:p>
             <a:pPr lvl="0"/>
             <a:r>
-              <a:rPr lang="en-US" smtClean="0"/>
+              <a:rPr lang="en-US"/>
               <a:t>Click to edit Master text styles</a:t>
             </a:r>
           </a:p>
           <a:p>
             <a:pPr lvl="1"/>
             <a:r>
-              <a:rPr lang="en-US" smtClean="0"/>
+              <a:rPr lang="en-US"/>
               <a:t>Second level</a:t>
             </a:r>
           </a:p>
           <a:p>
             <a:pPr lvl="2"/>
             <a:r>
-              <a:rPr lang="en-US" smtClean="0"/>
+              <a:rPr lang="en-US"/>
               <a:t>Third level</a:t>
             </a:r>
           </a:p>
           <a:p>
             <a:pPr lvl="3"/>
             <a:r>
-              <a:rPr lang="en-US" smtClean="0"/>
+              <a:rPr lang="en-US"/>
               <a:t>Fourth level</a:t>
             </a:r>
           </a:p>
           <a:p>
             <a:pPr lvl="4"/>
             <a:r>
-              <a:rPr lang="en-US" smtClean="0"/>
+              <a:rPr lang="en-US"/>
               <a:t>Fifth level</a:t>
             </a:r>
             <a:endParaRPr lang="en-US" dirty="0"/>
@@ -2140,7 +2228,7 @@
           <a:lstStyle/>
           <a:p>
             <a:r>
-              <a:rPr lang="en-US" smtClean="0"/>
+              <a:rPr lang="en-US"/>
               <a:t>Click to edit Master title style</a:t>
             </a:r>
             <a:endParaRPr lang="en-US" dirty="0"/>
@@ -2212,7 +2300,7 @@
           <a:p>
             <a:pPr lvl="0"/>
             <a:r>
-              <a:rPr lang="en-US" dirty="0" smtClean="0"/>
+              <a:rPr lang="en-US" dirty="0"/>
               <a:t>Click to edit Master text styles</a:t>
             </a:r>
           </a:p>
@@ -2240,35 +2328,35 @@
           <a:p>
             <a:pPr lvl="0"/>
             <a:r>
-              <a:rPr lang="en-US" smtClean="0"/>
+              <a:rPr lang="en-US"/>
               <a:t>Click to edit Master text styles</a:t>
             </a:r>
           </a:p>
           <a:p>
             <a:pPr lvl="1"/>
             <a:r>
-              <a:rPr lang="en-US" smtClean="0"/>
+              <a:rPr lang="en-US"/>
               <a:t>Second level</a:t>
             </a:r>
           </a:p>
           <a:p>
             <a:pPr lvl="2"/>
             <a:r>
-              <a:rPr lang="en-US" smtClean="0"/>
+              <a:rPr lang="en-US"/>
               <a:t>Third level</a:t>
             </a:r>
           </a:p>
           <a:p>
             <a:pPr lvl="3"/>
             <a:r>
-              <a:rPr lang="en-US" smtClean="0"/>
+              <a:rPr lang="en-US"/>
               <a:t>Fourth level</a:t>
             </a:r>
           </a:p>
           <a:p>
             <a:pPr lvl="4"/>
             <a:r>
-              <a:rPr lang="en-US" smtClean="0"/>
+              <a:rPr lang="en-US"/>
               <a:t>Fifth level</a:t>
             </a:r>
             <a:endParaRPr lang="en-US" dirty="0"/>
@@ -2339,7 +2427,7 @@
           </a:lstStyle>
           <a:p>
             <a:pPr lvl="0"/>
-            <a:endParaRPr lang="en-US" dirty="0" smtClean="0"/>
+            <a:endParaRPr lang="en-US" dirty="0"/>
           </a:p>
         </p:txBody>
       </p:sp>
@@ -2365,35 +2453,35 @@
           <a:p>
             <a:pPr lvl="0"/>
             <a:r>
-              <a:rPr lang="en-US" smtClean="0"/>
+              <a:rPr lang="en-US"/>
               <a:t>Click to edit Master text styles</a:t>
             </a:r>
           </a:p>
           <a:p>
             <a:pPr lvl="1"/>
             <a:r>
-              <a:rPr lang="en-US" smtClean="0"/>
+              <a:rPr lang="en-US"/>
               <a:t>Second level</a:t>
             </a:r>
           </a:p>
           <a:p>
             <a:pPr lvl="2"/>
             <a:r>
-              <a:rPr lang="en-US" smtClean="0"/>
+              <a:rPr lang="en-US"/>
               <a:t>Third level</a:t>
             </a:r>
           </a:p>
           <a:p>
             <a:pPr lvl="3"/>
             <a:r>
-              <a:rPr lang="en-US" smtClean="0"/>
+              <a:rPr lang="en-US"/>
               <a:t>Fourth level</a:t>
             </a:r>
           </a:p>
           <a:p>
             <a:pPr lvl="4"/>
             <a:r>
-              <a:rPr lang="en-US" smtClean="0"/>
+              <a:rPr lang="en-US"/>
               <a:t>Fifth level</a:t>
             </a:r>
             <a:endParaRPr lang="en-US" dirty="0"/>
@@ -2511,7 +2599,7 @@
           <a:lstStyle/>
           <a:p>
             <a:r>
-              <a:rPr lang="en-US" smtClean="0"/>
+              <a:rPr lang="en-US"/>
               <a:t>Click to edit Master title style</a:t>
             </a:r>
             <a:endParaRPr lang="en-US" dirty="0"/>
@@ -2899,7 +2987,7 @@
           </a:lstStyle>
           <a:p>
             <a:r>
-              <a:rPr lang="en-US" smtClean="0"/>
+              <a:rPr lang="en-US"/>
               <a:t>Click to edit Master title style</a:t>
             </a:r>
             <a:endParaRPr lang="en-US" dirty="0"/>
@@ -2928,35 +3016,35 @@
           <a:p>
             <a:pPr lvl="0"/>
             <a:r>
-              <a:rPr lang="en-US" smtClean="0"/>
+              <a:rPr lang="en-US"/>
               <a:t>Click to edit Master text styles</a:t>
             </a:r>
           </a:p>
           <a:p>
             <a:pPr lvl="1"/>
             <a:r>
-              <a:rPr lang="en-US" smtClean="0"/>
+              <a:rPr lang="en-US"/>
               <a:t>Second level</a:t>
             </a:r>
           </a:p>
           <a:p>
             <a:pPr lvl="2"/>
             <a:r>
-              <a:rPr lang="en-US" smtClean="0"/>
+              <a:rPr lang="en-US"/>
               <a:t>Third level</a:t>
             </a:r>
           </a:p>
           <a:p>
             <a:pPr lvl="3"/>
             <a:r>
-              <a:rPr lang="en-US" smtClean="0"/>
+              <a:rPr lang="en-US"/>
               <a:t>Fourth level</a:t>
             </a:r>
           </a:p>
           <a:p>
             <a:pPr lvl="4"/>
             <a:r>
-              <a:rPr lang="en-US" smtClean="0"/>
+              <a:rPr lang="en-US"/>
               <a:t>Fifth level</a:t>
             </a:r>
             <a:endParaRPr lang="en-US" dirty="0"/>
@@ -3028,7 +3116,7 @@
           <a:p>
             <a:pPr lvl="0"/>
             <a:r>
-              <a:rPr lang="en-US" smtClean="0"/>
+              <a:rPr lang="en-US"/>
               <a:t>Click to edit Master text styles</a:t>
             </a:r>
           </a:p>
@@ -3266,7 +3354,7 @@
           </a:lstStyle>
           <a:p>
             <a:r>
-              <a:rPr lang="en-US" smtClean="0"/>
+              <a:rPr lang="en-US"/>
               <a:t>Click to edit Master title style</a:t>
             </a:r>
             <a:endParaRPr lang="en-US" dirty="0"/>
@@ -3341,7 +3429,7 @@
           </a:lstStyle>
           <a:p>
             <a:r>
-              <a:rPr lang="en-US" smtClean="0"/>
+              <a:rPr lang="en-US"/>
               <a:t>Click icon to add picture</a:t>
             </a:r>
             <a:endParaRPr lang="en-US" dirty="0"/>
@@ -3419,7 +3507,7 @@
           <a:p>
             <a:pPr lvl="0"/>
             <a:r>
-              <a:rPr lang="en-US" smtClean="0"/>
+              <a:rPr lang="en-US"/>
               <a:t>Click to edit Master text styles</a:t>
             </a:r>
           </a:p>
@@ -3627,7 +3715,7 @@
           <a:lstStyle/>
           <a:p>
             <a:r>
-              <a:rPr lang="en-US" smtClean="0"/>
+              <a:rPr lang="en-US"/>
               <a:t>Click to edit Master title style</a:t>
             </a:r>
             <a:endParaRPr lang="en-US" dirty="0"/>
@@ -3661,35 +3749,35 @@
           <a:p>
             <a:pPr lvl="0"/>
             <a:r>
-              <a:rPr lang="en-US" smtClean="0"/>
+              <a:rPr lang="en-US"/>
               <a:t>Click to edit Master text styles</a:t>
             </a:r>
           </a:p>
           <a:p>
             <a:pPr lvl="1"/>
             <a:r>
-              <a:rPr lang="en-US" smtClean="0"/>
+              <a:rPr lang="en-US"/>
               <a:t>Second level</a:t>
             </a:r>
           </a:p>
           <a:p>
             <a:pPr lvl="2"/>
             <a:r>
-              <a:rPr lang="en-US" smtClean="0"/>
+              <a:rPr lang="en-US"/>
               <a:t>Third level</a:t>
             </a:r>
           </a:p>
           <a:p>
             <a:pPr lvl="3"/>
             <a:r>
-              <a:rPr lang="en-US" smtClean="0"/>
+              <a:rPr lang="en-US"/>
               <a:t>Fourth level</a:t>
             </a:r>
           </a:p>
           <a:p>
             <a:pPr lvl="4"/>
             <a:r>
-              <a:rPr lang="en-US" smtClean="0"/>
+              <a:rPr lang="en-US"/>
               <a:t>Fifth level</a:t>
             </a:r>
             <a:endParaRPr lang="en-US" dirty="0"/>
@@ -4269,17 +4357,16 @@
           <a:lstStyle/>
           <a:p>
             <a:r>
-              <a:rPr lang="en-CA" dirty="0" smtClean="0"/>
+              <a:rPr lang="en-CA" dirty="0"/>
               <a:t>COMP 472 A1 </a:t>
             </a:r>
             <a:br>
-              <a:rPr lang="en-CA" dirty="0" smtClean="0"/>
+              <a:rPr lang="en-CA" dirty="0"/>
             </a:br>
             <a:r>
-              <a:rPr lang="en-CA" sz="6000" dirty="0" smtClean="0"/>
+              <a:rPr lang="en-CA" sz="6000" dirty="0"/>
               <a:t>Group 9 Presentation</a:t>
             </a:r>
-            <a:endParaRPr lang="en-CA" sz="6000" dirty="0"/>
           </a:p>
         </p:txBody>
       </p:sp>
@@ -4301,33 +4388,22 @@
           <a:lstStyle/>
           <a:p>
             <a:r>
-              <a:rPr lang="en-CA" dirty="0" smtClean="0"/>
+              <a:rPr lang="en-CA" dirty="0"/>
               <a:t>Matthew Segal 40031839</a:t>
             </a:r>
           </a:p>
           <a:p>
             <a:r>
-              <a:rPr lang="en-CA" dirty="0" smtClean="0"/>
-              <a:t>Leo </a:t>
-            </a:r>
-            <a:r>
-              <a:rPr lang="en-CA" dirty="0" err="1" smtClean="0"/>
-              <a:t>Benac</a:t>
-            </a:r>
-            <a:endParaRPr lang="en-CA" dirty="0" smtClean="0"/>
-          </a:p>
-          <a:p>
-            <a:r>
-              <a:rPr lang="en-CA" dirty="0" smtClean="0"/>
-              <a:t>Evan Mateo</a:t>
-            </a:r>
-          </a:p>
-          <a:p>
-            <a:r>
-              <a:rPr lang="en-CA" dirty="0" smtClean="0"/>
+              <a:rPr lang="en-CA"/>
+              <a:t>Evan Mateo 27725167</a:t>
+            </a:r>
+            <a:endParaRPr lang="en-CA" dirty="0"/>
+          </a:p>
+          <a:p>
+            <a:r>
+              <a:rPr lang="en-CA" dirty="0"/>
               <a:t>Joanna Lin</a:t>
             </a:r>
-            <a:endParaRPr lang="en-CA" dirty="0"/>
           </a:p>
         </p:txBody>
       </p:sp>
@@ -4379,18 +4455,9 @@
           <a:lstStyle/>
           <a:p>
             <a:r>
-              <a:rPr lang="en-CA" sz="4500" dirty="0" smtClean="0"/>
-              <a:t>Interesting Note on Decision </a:t>
-            </a:r>
-            <a:r>
               <a:rPr lang="en-CA" sz="4500" dirty="0"/>
-              <a:t>T</a:t>
-            </a:r>
-            <a:r>
-              <a:rPr lang="en-CA" sz="4500" dirty="0" smtClean="0"/>
-              <a:t>ree Pruning</a:t>
-            </a:r>
-            <a:endParaRPr lang="en-CA" sz="4500" dirty="0"/>
+              <a:t>Interesting Note on Decision Tree Pruning</a:t>
+            </a:r>
           </a:p>
         </p:txBody>
       </p:sp>
@@ -4410,90 +4477,71 @@
           <a:lstStyle/>
           <a:p>
             <a:r>
-              <a:rPr lang="en-CA" dirty="0" smtClean="0"/>
+              <a:rPr lang="en-CA" dirty="0"/>
               <a:t>One might think that pruning a complex Decision Tree might improve its performance, but we actually found the opposite to be true: altering the </a:t>
             </a:r>
             <a:r>
-              <a:rPr lang="en-CA" dirty="0" err="1" smtClean="0"/>
+              <a:rPr lang="en-CA" dirty="0" err="1"/>
               <a:t>max_depth</a:t>
             </a:r>
             <a:r>
-              <a:rPr lang="en-CA" dirty="0" smtClean="0"/>
+              <a:rPr lang="en-CA" dirty="0"/>
               <a:t> and </a:t>
             </a:r>
             <a:r>
-              <a:rPr lang="en-CA" dirty="0" err="1" smtClean="0"/>
+              <a:rPr lang="en-CA" dirty="0" err="1"/>
               <a:t>max_leaf_nodes</a:t>
             </a:r>
             <a:r>
-              <a:rPr lang="en-CA" dirty="0" smtClean="0"/>
+              <a:rPr lang="en-CA" dirty="0"/>
               <a:t> parameters resulted in less accurate predictions. </a:t>
             </a:r>
           </a:p>
           <a:p>
             <a:r>
-              <a:rPr lang="en-CA" dirty="0" smtClean="0"/>
+              <a:rPr lang="en-CA" dirty="0"/>
               <a:t>There is a parameter of Decision Tree classifiers in </a:t>
             </a:r>
             <a:r>
-              <a:rPr lang="en-CA" dirty="0" err="1" smtClean="0"/>
+              <a:rPr lang="en-CA" dirty="0" err="1"/>
               <a:t>sklearn</a:t>
             </a:r>
             <a:r>
-              <a:rPr lang="en-CA" dirty="0" smtClean="0"/>
+              <a:rPr lang="en-CA" dirty="0"/>
               <a:t> called </a:t>
             </a:r>
             <a:r>
-              <a:rPr lang="en-CA" dirty="0" err="1" smtClean="0"/>
+              <a:rPr lang="en-CA" dirty="0" err="1"/>
               <a:t>ccp_alpha</a:t>
             </a:r>
             <a:r>
-              <a:rPr lang="en-CA" dirty="0" smtClean="0"/>
-              <a:t> which is generally used to find the best Tree possible using Minimal Cost-Complexity Pruning. In other words, setting this parameter to certain values prunes the Tree to </a:t>
-            </a:r>
-            <a:r>
               <a:rPr lang="en-CA" dirty="0"/>
-              <a:t>avoid </a:t>
-            </a:r>
-            <a:r>
-              <a:rPr lang="en-CA" dirty="0" smtClean="0"/>
-              <a:t>over-fitting by certain amounts, </a:t>
-            </a:r>
-            <a:r>
-              <a:rPr lang="en-CA" dirty="0"/>
-              <a:t>see: </a:t>
+              <a:t> which is generally used to find the best Tree possible using Minimal Cost-Complexity Pruning. In other words, setting this parameter to certain values prunes the Tree to avoid over-fitting by certain amounts, see: </a:t>
             </a:r>
             <a:r>
               <a:rPr lang="en-CA" dirty="0">
                 <a:hlinkClick r:id="rId2"/>
               </a:rPr>
-              <a:t>https://</a:t>
-            </a:r>
-            <a:r>
-              <a:rPr lang="en-CA" dirty="0" smtClean="0">
-                <a:hlinkClick r:id="rId2"/>
-              </a:rPr>
-              <a:t>scikit-learn.org/stable/modules/tree.html#minimal-cost-complexity-pruning</a:t>
-            </a:r>
-            <a:r>
-              <a:rPr lang="en-CA" dirty="0" smtClean="0"/>
+              <a:t>https://scikit-learn.org/stable/modules/tree.html#minimal-cost-complexity-pruning</a:t>
+            </a:r>
+            <a:r>
+              <a:rPr lang="en-CA" dirty="0"/>
               <a:t>.</a:t>
             </a:r>
           </a:p>
           <a:p>
             <a:r>
-              <a:rPr lang="en-CA" dirty="0" smtClean="0"/>
+              <a:rPr lang="en-CA" dirty="0"/>
               <a:t>After writing a function to test many possible values for </a:t>
             </a:r>
             <a:r>
-              <a:rPr lang="en-CA" dirty="0" err="1" smtClean="0"/>
+              <a:rPr lang="en-CA" dirty="0" err="1"/>
               <a:t>ccp_alpha</a:t>
             </a:r>
             <a:r>
-              <a:rPr lang="en-CA" dirty="0" smtClean="0"/>
+              <a:rPr lang="en-CA" dirty="0"/>
               <a:t> across many iterations of the Decision tree classifier algorithm, it was found that setting this value to 0 (indicating no pruning at all) maximized accuracy for both training and testing data.</a:t>
             </a:r>
-            <a:endParaRPr lang="en-CA" dirty="0"/>
           </a:p>
         </p:txBody>
       </p:sp>
@@ -4546,13 +4594,8 @@
           <a:p>
             <a:r>
               <a:rPr lang="en-CA" sz="4100" dirty="0"/>
-              <a:t>Interesting Note on Decision Tree </a:t>
-            </a:r>
-            <a:r>
-              <a:rPr lang="en-CA" sz="4100" dirty="0" smtClean="0"/>
-              <a:t>Pruning, cont.</a:t>
-            </a:r>
-            <a:endParaRPr lang="en-CA" sz="4100" dirty="0"/>
+              <a:t>Interesting Note on Decision Tree Pruning, cont.</a:t>
+            </a:r>
           </a:p>
         </p:txBody>
       </p:sp>
@@ -4574,7 +4617,7 @@
           <a:lstStyle/>
           <a:p>
             <a:r>
-              <a:rPr lang="en-CA" dirty="0" smtClean="0"/>
+              <a:rPr lang="en-CA" dirty="0"/>
               <a:t>Here, we see this data. We can see the best way to maximize accuracy for Decision Trees (with this dataset, anyway) is to not prune them at all.</a:t>
             </a:r>
           </a:p>
@@ -4583,10 +4626,9 @@
           </a:p>
           <a:p>
             <a:r>
-              <a:rPr lang="en-CA" dirty="0" smtClean="0"/>
+              <a:rPr lang="en-CA" dirty="0"/>
               <a:t>One possible reason for this is our text sanitation. We use an aggressive custom algorithm to remove all special characters and simple words with no emotional affect (“for”, “to”, “a”, etc.) This results in our training and testing data having only useful words in it. So pruning any of these useful words in the Tree will likely reduce accuracy. Also note: even under best accuracy, testing data is much less accurate than training data.</a:t>
             </a:r>
-            <a:endParaRPr lang="en-CA" dirty="0"/>
           </a:p>
         </p:txBody>
       </p:sp>
@@ -4717,10 +4759,9 @@
           <a:lstStyle/>
           <a:p>
             <a:r>
-              <a:rPr lang="en-CA" dirty="0" smtClean="0"/>
+              <a:rPr lang="en-CA" dirty="0"/>
               <a:t>Matthew Segal</a:t>
             </a:r>
-            <a:endParaRPr lang="en-CA" dirty="0"/>
           </a:p>
         </p:txBody>
       </p:sp>
@@ -4746,14 +4787,14 @@
               <a:buAutoNum type="arabicPeriod"/>
             </a:pPr>
             <a:r>
-              <a:rPr lang="en-CA" dirty="0" smtClean="0"/>
+              <a:rPr lang="en-CA" dirty="0"/>
               <a:t>Wrote the function to sanitize the text: </a:t>
             </a:r>
             <a:r>
-              <a:rPr lang="en-CA" dirty="0" err="1" smtClean="0"/>
+              <a:rPr lang="en-CA" dirty="0" err="1"/>
               <a:t>sanitize_text</a:t>
             </a:r>
-            <a:endParaRPr lang="en-CA" dirty="0" smtClean="0"/>
+            <a:endParaRPr lang="en-CA" dirty="0"/>
           </a:p>
           <a:p>
             <a:pPr marL="457200" indent="-457200">
@@ -4761,7 +4802,7 @@
               <a:buAutoNum type="arabicPeriod"/>
             </a:pPr>
             <a:r>
-              <a:rPr lang="en-CA" dirty="0" smtClean="0"/>
+              <a:rPr lang="en-CA" dirty="0"/>
               <a:t>Wrote the function to create and save all graphical confusion matrices: </a:t>
             </a:r>
             <a:r>
@@ -4776,15 +4817,15 @@
               <a:buAutoNum type="arabicPeriod"/>
             </a:pPr>
             <a:r>
-              <a:rPr lang="en-CA" dirty="0" smtClean="0"/>
+              <a:rPr lang="en-CA" dirty="0"/>
               <a:t>Wrote the function to analyse the relationship between </a:t>
             </a:r>
             <a:r>
-              <a:rPr lang="en-CA" dirty="0" err="1" smtClean="0"/>
+              <a:rPr lang="en-CA" dirty="0" err="1"/>
               <a:t>ccp_alpha</a:t>
             </a:r>
             <a:r>
-              <a:rPr lang="en-CA" dirty="0" smtClean="0"/>
+              <a:rPr lang="en-CA" dirty="0"/>
               <a:t> and accuracy: </a:t>
             </a:r>
             <a:r>
@@ -4799,7 +4840,7 @@
               <a:buAutoNum type="arabicPeriod"/>
             </a:pPr>
             <a:r>
-              <a:rPr lang="en-CA" dirty="0" smtClean="0"/>
+              <a:rPr lang="en-CA" dirty="0"/>
               <a:t>Provided overall file structure to the repository to improve organization</a:t>
             </a:r>
           </a:p>
@@ -4809,7 +4850,7 @@
               <a:buAutoNum type="arabicPeriod"/>
             </a:pPr>
             <a:r>
-              <a:rPr lang="en-CA" dirty="0" smtClean="0"/>
+              <a:rPr lang="en-CA" dirty="0"/>
               <a:t>Improved code style by restructuring main.py to implement a proper entry point by way of a main function</a:t>
             </a:r>
           </a:p>
@@ -4819,22 +4860,22 @@
               <a:buAutoNum type="arabicPeriod"/>
             </a:pPr>
             <a:r>
-              <a:rPr lang="en-CA" dirty="0" smtClean="0"/>
+              <a:rPr lang="en-CA" dirty="0"/>
               <a:t>Simplified the code to split the data into training and testing sets by using </a:t>
             </a:r>
             <a:r>
-              <a:rPr lang="en-CA" dirty="0" err="1" smtClean="0"/>
+              <a:rPr lang="en-CA" dirty="0" err="1"/>
               <a:t>train_test_split</a:t>
             </a:r>
             <a:r>
-              <a:rPr lang="en-CA" dirty="0" smtClean="0"/>
+              <a:rPr lang="en-CA" dirty="0"/>
               <a:t> from </a:t>
             </a:r>
             <a:r>
-              <a:rPr lang="en-CA" dirty="0" err="1" smtClean="0"/>
+              <a:rPr lang="en-CA" dirty="0" err="1"/>
               <a:t>sklearn</a:t>
             </a:r>
-            <a:endParaRPr lang="en-CA" dirty="0" smtClean="0"/>
+            <a:endParaRPr lang="en-CA" dirty="0"/>
           </a:p>
           <a:p>
             <a:pPr marL="457200" indent="-457200">
@@ -4842,15 +4883,15 @@
               <a:buAutoNum type="arabicPeriod"/>
             </a:pPr>
             <a:r>
-              <a:rPr lang="en-CA" dirty="0" smtClean="0"/>
+              <a:rPr lang="en-CA" dirty="0"/>
               <a:t>Wrote several custom algorithms to </a:t>
             </a:r>
             <a:r>
-              <a:rPr lang="en-CA" dirty="0" err="1" smtClean="0"/>
+              <a:rPr lang="en-CA" dirty="0" err="1"/>
               <a:t>vectorize</a:t>
             </a:r>
             <a:r>
-              <a:rPr lang="en-CA" dirty="0" smtClean="0"/>
+              <a:rPr lang="en-CA" dirty="0"/>
               <a:t> the data (that were not used in the final product)</a:t>
             </a:r>
           </a:p>
@@ -4860,7 +4901,7 @@
               <a:buAutoNum type="arabicPeriod"/>
             </a:pPr>
             <a:r>
-              <a:rPr lang="en-CA" dirty="0" smtClean="0"/>
+              <a:rPr lang="en-CA" dirty="0"/>
               <a:t>Wrote much of the slideshow and presentation</a:t>
             </a:r>
           </a:p>
@@ -4919,10 +4960,9 @@
           <a:lstStyle/>
           <a:p>
             <a:r>
-              <a:rPr lang="en-CA" dirty="0" smtClean="0"/>
+              <a:rPr lang="en-CA" dirty="0"/>
               <a:t>Evan Mateo</a:t>
             </a:r>
-            <a:endParaRPr lang="en-CA" dirty="0"/>
           </a:p>
         </p:txBody>
       </p:sp>
@@ -4948,12 +4988,8 @@
               <a:buAutoNum type="arabicPeriod"/>
             </a:pPr>
             <a:r>
-              <a:rPr lang="en-CA" dirty="0" smtClean="0">
-                <a:solidFill>
-                  <a:srgbClr val="FF0000"/>
-                </a:solidFill>
-              </a:rPr>
-              <a:t>BRAG ABOUT YOURSELVES</a:t>
+              <a:rPr lang="en-CA"/>
+              <a:t>Worked on reading the initial dataset</a:t>
             </a:r>
           </a:p>
           <a:p>
@@ -4961,6 +4997,40 @@
               <a:buFont typeface="+mj-lt"/>
               <a:buAutoNum type="arabicPeriod"/>
             </a:pPr>
+            <a:r>
+              <a:rPr lang="en-CA"/>
+              <a:t>Vectorized words of documents using CountVectorizer</a:t>
+            </a:r>
+          </a:p>
+          <a:p>
+            <a:pPr marL="457200" indent="-457200">
+              <a:buFont typeface="+mj-lt"/>
+              <a:buAutoNum type="arabicPeriod"/>
+            </a:pPr>
+            <a:r>
+              <a:rPr lang="en-CA"/>
+              <a:t>Worked on the best decision tree using GridSearchCV and KFold for automatically searching the optimal hyperparameters</a:t>
+            </a:r>
+          </a:p>
+          <a:p>
+            <a:pPr marL="457200" indent="-457200">
+              <a:buFont typeface="+mj-lt"/>
+              <a:buAutoNum type="arabicPeriod"/>
+            </a:pPr>
+            <a:r>
+              <a:rPr lang="en-CA"/>
+              <a:t>Plot class (label) distribution</a:t>
+            </a:r>
+          </a:p>
+          <a:p>
+            <a:pPr marL="457200" indent="-457200">
+              <a:buFont typeface="+mj-lt"/>
+              <a:buAutoNum type="arabicPeriod"/>
+            </a:pPr>
+            <a:r>
+              <a:rPr lang="en-CA"/>
+              <a:t>Worked on outputting list of false positives for task 4 analysis</a:t>
+            </a:r>
             <a:endParaRPr lang="en-CA" dirty="0"/>
           </a:p>
         </p:txBody>
@@ -5011,10 +5081,9 @@
           <a:lstStyle/>
           <a:p>
             <a:r>
-              <a:rPr lang="en-CA" dirty="0" smtClean="0"/>
+              <a:rPr lang="en-CA" dirty="0"/>
               <a:t>Joanna Lin</a:t>
             </a:r>
-            <a:endParaRPr lang="en-CA" dirty="0"/>
           </a:p>
         </p:txBody>
       </p:sp>
@@ -5040,7 +5109,7 @@
               <a:buAutoNum type="arabicPeriod"/>
             </a:pPr>
             <a:r>
-              <a:rPr lang="en-CA" dirty="0" smtClean="0">
+              <a:rPr lang="en-CA" dirty="0">
                 <a:solidFill>
                   <a:srgbClr val="FF0000"/>
                 </a:solidFill>
@@ -5061,102 +5130,6 @@
     <p:extLst>
       <p:ext uri="{BB962C8B-B14F-4D97-AF65-F5344CB8AC3E}">
         <p14:creationId xmlns:p14="http://schemas.microsoft.com/office/powerpoint/2010/main" val="1480463691"/>
-      </p:ext>
-    </p:extLst>
-  </p:cSld>
-  <p:clrMapOvr>
-    <a:masterClrMapping/>
-  </p:clrMapOvr>
-</p:sld>
-</file>
-
-<file path=ppt/slides/slide16.xml><?xml version="1.0" encoding="utf-8"?>
-<p:sld xmlns:a="http://schemas.openxmlformats.org/drawingml/2006/main" xmlns:r="http://schemas.openxmlformats.org/officeDocument/2006/relationships" xmlns:p="http://schemas.openxmlformats.org/presentationml/2006/main">
-  <p:cSld>
-    <p:spTree>
-      <p:nvGrpSpPr>
-        <p:cNvPr id="1" name=""/>
-        <p:cNvGrpSpPr/>
-        <p:nvPr/>
-      </p:nvGrpSpPr>
-      <p:grpSpPr>
-        <a:xfrm>
-          <a:off x="0" y="0"/>
-          <a:ext cx="0" cy="0"/>
-          <a:chOff x="0" y="0"/>
-          <a:chExt cx="0" cy="0"/>
-        </a:xfrm>
-      </p:grpSpPr>
-      <p:sp>
-        <p:nvSpPr>
-          <p:cNvPr id="2" name="Title 1"/>
-          <p:cNvSpPr>
-            <a:spLocks noGrp="1"/>
-          </p:cNvSpPr>
-          <p:nvPr>
-            <p:ph type="title"/>
-          </p:nvPr>
-        </p:nvSpPr>
-        <p:spPr/>
-        <p:txBody>
-          <a:bodyPr/>
-          <a:lstStyle/>
-          <a:p>
-            <a:r>
-              <a:rPr lang="en-CA" dirty="0" smtClean="0"/>
-              <a:t>Leo </a:t>
-            </a:r>
-            <a:r>
-              <a:rPr lang="en-CA" dirty="0" err="1" smtClean="0"/>
-              <a:t>Benac</a:t>
-            </a:r>
-            <a:endParaRPr lang="en-CA" dirty="0"/>
-          </a:p>
-        </p:txBody>
-      </p:sp>
-      <p:sp>
-        <p:nvSpPr>
-          <p:cNvPr id="3" name="Content Placeholder 2"/>
-          <p:cNvSpPr>
-            <a:spLocks noGrp="1"/>
-          </p:cNvSpPr>
-          <p:nvPr>
-            <p:ph idx="1"/>
-          </p:nvPr>
-        </p:nvSpPr>
-        <p:spPr/>
-        <p:txBody>
-          <a:bodyPr>
-            <a:normAutofit/>
-          </a:bodyPr>
-          <a:lstStyle/>
-          <a:p>
-            <a:pPr marL="457200" indent="-457200">
-              <a:buFont typeface="+mj-lt"/>
-              <a:buAutoNum type="arabicPeriod"/>
-            </a:pPr>
-            <a:r>
-              <a:rPr lang="en-CA" dirty="0" smtClean="0">
-                <a:solidFill>
-                  <a:srgbClr val="FF0000"/>
-                </a:solidFill>
-              </a:rPr>
-              <a:t>BRAG ABOUT YOURSELVES</a:t>
-            </a:r>
-          </a:p>
-          <a:p>
-            <a:pPr marL="457200" indent="-457200">
-              <a:buFont typeface="+mj-lt"/>
-              <a:buAutoNum type="arabicPeriod"/>
-            </a:pPr>
-            <a:endParaRPr lang="en-CA" dirty="0"/>
-          </a:p>
-        </p:txBody>
-      </p:sp>
-    </p:spTree>
-    <p:extLst>
-      <p:ext uri="{BB962C8B-B14F-4D97-AF65-F5344CB8AC3E}">
-        <p14:creationId xmlns:p14="http://schemas.microsoft.com/office/powerpoint/2010/main" val="536066607"/>
       </p:ext>
     </p:extLst>
   </p:cSld>
@@ -5199,10 +5172,9 @@
           <a:lstStyle/>
           <a:p>
             <a:r>
-              <a:rPr lang="en-CA" dirty="0" smtClean="0"/>
+              <a:rPr lang="en-CA" dirty="0"/>
               <a:t>Note</a:t>
             </a:r>
-            <a:endParaRPr lang="en-CA" dirty="0"/>
           </a:p>
         </p:txBody>
       </p:sp>
@@ -5225,10 +5197,9 @@
               <a:buNone/>
             </a:pPr>
             <a:r>
-              <a:rPr lang="en-CA" dirty="0" smtClean="0"/>
+              <a:rPr lang="en-CA" dirty="0"/>
               <a:t>All data and diagrams used in this presentation represent the results of one possible execution of our code. It is conceivable that running our code might result in slightly different output.</a:t>
             </a:r>
-            <a:endParaRPr lang="en-CA" dirty="0"/>
           </a:p>
         </p:txBody>
       </p:sp>
@@ -5278,10 +5249,9 @@
           <a:lstStyle/>
           <a:p>
             <a:r>
-              <a:rPr lang="en-CA" dirty="0" smtClean="0"/>
+              <a:rPr lang="en-CA" dirty="0"/>
               <a:t>Analysis of Initial Dataset</a:t>
             </a:r>
-            <a:endParaRPr lang="en-CA" dirty="0"/>
           </a:p>
         </p:txBody>
       </p:sp>
@@ -5303,38 +5273,76 @@
           <a:lstStyle/>
           <a:p>
             <a:r>
-              <a:rPr lang="en-CA" dirty="0" smtClean="0"/>
-              <a:t>The given dataset is composed of thousands of reviews for various products. These reviews are initially classified using “</a:t>
-            </a:r>
-            <a:r>
-              <a:rPr lang="en-CA" dirty="0" err="1" smtClean="0"/>
-              <a:t>pos</a:t>
-            </a:r>
-            <a:r>
-              <a:rPr lang="en-CA" dirty="0" smtClean="0"/>
-              <a:t>” and “</a:t>
-            </a:r>
-            <a:r>
-              <a:rPr lang="en-CA" dirty="0" err="1" smtClean="0"/>
-              <a:t>neg</a:t>
-            </a:r>
-            <a:r>
-              <a:rPr lang="en-CA" dirty="0" smtClean="0"/>
-              <a:t>” labels to indicate whether the review is positive or negative. </a:t>
-            </a:r>
-          </a:p>
-          <a:p>
-            <a:r>
-              <a:rPr lang="en-CA" dirty="0" smtClean="0"/>
-              <a:t>The assignment was to use machine learning to be able to analyze the sentiment of a new unseen review, given analysis of a large training set of the documents. </a:t>
-            </a:r>
-          </a:p>
-          <a:p>
-            <a:r>
-              <a:rPr lang="en-CA" dirty="0" smtClean="0"/>
-              <a:t>What is interesting, however, is that the given text is not fully sanitized. We designed an algorithm to process the incoming data to remove all special characters and “emotionless” words (like “to”, “a”, “the”, etc.). This should lead to superior sentiment classification.</a:t>
-            </a:r>
-            <a:endParaRPr lang="en-CA" dirty="0"/>
+              <a:rPr lang="en-CA" dirty="0"/>
+              <a:t>The given dataset is composed of thousands of reviews for various </a:t>
+            </a:r>
+            <a:r>
+              <a:rPr lang="en-CA"/>
+              <a:t>products.</a:t>
+            </a:r>
+          </a:p>
+          <a:p>
+            <a:endParaRPr lang="en-US"/>
+          </a:p>
+          <a:p>
+            <a:r>
+              <a:rPr lang="en-US"/>
+              <a:t>The initial dataset is composed of:</a:t>
+            </a:r>
+          </a:p>
+          <a:p>
+            <a:pPr marL="749808" lvl="1" indent="-457200">
+              <a:buFont typeface="+mj-lt"/>
+              <a:buAutoNum type="arabicPeriod"/>
+            </a:pPr>
+            <a:r>
+              <a:rPr lang="en-US"/>
+              <a:t>2 classes – “pos” and “neg”</a:t>
+            </a:r>
+          </a:p>
+          <a:p>
+            <a:pPr marL="749808" lvl="1" indent="-457200">
+              <a:buFont typeface="+mj-lt"/>
+              <a:buAutoNum type="arabicPeriod"/>
+            </a:pPr>
+            <a:r>
+              <a:rPr lang="en-US"/>
+              <a:t>44502 features (58871 before sanitized)</a:t>
+            </a:r>
+          </a:p>
+          <a:p>
+            <a:endParaRPr lang="en-CA"/>
+          </a:p>
+          <a:p>
+            <a:r>
+              <a:rPr lang="en-CA" b="1"/>
+              <a:t>Sanitized input</a:t>
+            </a:r>
+          </a:p>
+          <a:p>
+            <a:r>
+              <a:rPr lang="en-CA"/>
+              <a:t>Remove </a:t>
+            </a:r>
+            <a:r>
+              <a:rPr lang="en-CA" dirty="0"/>
+              <a:t>all special characters and “emotionless” words (like “to”, “a”, “the”, etc</a:t>
+            </a:r>
+            <a:r>
+              <a:rPr lang="en-CA"/>
+              <a:t>.). </a:t>
+            </a:r>
+            <a:br>
+              <a:rPr lang="en-CA"/>
+            </a:br>
+            <a:r>
+              <a:rPr lang="en-CA"/>
+              <a:t>This should reduce noisy input a little and </a:t>
+            </a:r>
+            <a:r>
+              <a:rPr lang="en-CA" dirty="0"/>
+              <a:t>lead to superior sentiment classification.</a:t>
+            </a:r>
           </a:p>
         </p:txBody>
       </p:sp>
@@ -5384,10 +5392,9 @@
           <a:lstStyle/>
           <a:p>
             <a:r>
-              <a:rPr lang="en-CA" dirty="0" smtClean="0"/>
+              <a:rPr lang="en-CA" dirty="0"/>
               <a:t>Analysis of Initial Dataset, cont.</a:t>
             </a:r>
-            <a:endParaRPr lang="en-CA" dirty="0"/>
           </a:p>
         </p:txBody>
       </p:sp>
@@ -5401,51 +5408,498 @@
             <p:ph idx="1"/>
           </p:nvPr>
         </p:nvSpPr>
-        <p:spPr/>
+        <p:spPr>
+          <a:xfrm>
+            <a:off x="1097280" y="1845734"/>
+            <a:ext cx="3715352" cy="2020413"/>
+          </a:xfrm>
+        </p:spPr>
         <p:txBody>
           <a:bodyPr>
             <a:normAutofit/>
           </a:bodyPr>
           <a:lstStyle/>
           <a:p>
-            <a:r>
-              <a:rPr lang="en-CA" dirty="0" smtClean="0"/>
-              <a:t>Another difficult aspect of this dataset is that each review has so many words (each word considered a feature), and each review has a different number of words. </a:t>
-            </a:r>
-            <a:endParaRPr lang="en-CA" dirty="0"/>
-          </a:p>
-          <a:p>
-            <a:r>
-              <a:rPr lang="en-CA" dirty="0" smtClean="0"/>
-              <a:t>Algorithms that make use of Decision Trees will have much difficulty processing this data, as for each review, the algorithm must determine which words are ideal to branch upon, and there are many possible words. </a:t>
-            </a:r>
-          </a:p>
-          <a:p>
-            <a:r>
-              <a:rPr lang="en-CA" dirty="0" smtClean="0"/>
-              <a:t>We noticed that both Decision Tree algorithms were the slowest as a result.</a:t>
-            </a:r>
-          </a:p>
-          <a:p>
-            <a:r>
-              <a:rPr lang="en-CA" dirty="0" smtClean="0"/>
-              <a:t>But Naïve Bayes was comparatively fast, since only simple probability calculations need to be performed for each word.</a:t>
-            </a:r>
-          </a:p>
-          <a:p>
-            <a:r>
-              <a:rPr lang="en-CA" dirty="0" smtClean="0">
+            <a:pPr marL="0" indent="0">
+              <a:buNone/>
+            </a:pPr>
+            <a:r>
+              <a:rPr lang="en-CA" b="1"/>
+              <a:t>  Possible reasons for noisy input</a:t>
+            </a:r>
+          </a:p>
+          <a:p>
+            <a:pPr marL="749808" lvl="1" indent="-457200">
+              <a:buFont typeface="+mj-lt"/>
+              <a:buAutoNum type="arabicPeriod"/>
+            </a:pPr>
+            <a:r>
+              <a:rPr lang="en-US"/>
+              <a:t>Mislabeling</a:t>
+            </a:r>
+          </a:p>
+          <a:p>
+            <a:pPr marL="749808" lvl="1" indent="-457200">
+              <a:buFont typeface="+mj-lt"/>
+              <a:buAutoNum type="arabicPeriod"/>
+            </a:pPr>
+            <a:r>
+              <a:rPr lang="en-US"/>
+              <a:t>Very long documents</a:t>
+            </a:r>
+          </a:p>
+          <a:p>
+            <a:pPr marL="749808" lvl="1" indent="-457200">
+              <a:buFont typeface="+mj-lt"/>
+              <a:buAutoNum type="arabicPeriod"/>
+            </a:pPr>
+            <a:r>
+              <a:rPr lang="en-US"/>
+              <a:t>Non-review documents</a:t>
+            </a:r>
+          </a:p>
+          <a:p>
+            <a:pPr marL="749808" lvl="1" indent="-457200">
+              <a:buFont typeface="+mj-lt"/>
+              <a:buAutoNum type="arabicPeriod"/>
+            </a:pPr>
+            <a:r>
+              <a:rPr lang="en-US"/>
+              <a:t>Misspelling</a:t>
+            </a:r>
+          </a:p>
+          <a:p>
+            <a:pPr marL="749808" lvl="1" indent="-457200">
+              <a:buFont typeface="+mj-lt"/>
+              <a:buAutoNum type="arabicPeriod"/>
+            </a:pPr>
+            <a:r>
+              <a:rPr lang="en-US"/>
+              <a:t>Mixed sentiment</a:t>
+            </a:r>
+            <a:endParaRPr lang="en-CA"/>
+          </a:p>
+        </p:txBody>
+      </p:sp>
+      <p:sp>
+        <p:nvSpPr>
+          <p:cNvPr id="5" name="Content Placeholder 2">
+            <a:extLst>
+              <a:ext uri="{FF2B5EF4-FFF2-40B4-BE49-F238E27FC236}">
+                <a16:creationId xmlns:a16="http://schemas.microsoft.com/office/drawing/2014/main" id="{5C4E72DE-8D69-4FAD-8037-B463CF993126}"/>
+              </a:ext>
+            </a:extLst>
+          </p:cNvPr>
+          <p:cNvSpPr txBox="1">
+            <a:spLocks/>
+          </p:cNvSpPr>
+          <p:nvPr/>
+        </p:nvSpPr>
+        <p:spPr>
+          <a:xfrm>
+            <a:off x="5845744" y="1845734"/>
+            <a:ext cx="3715352" cy="2902729"/>
+          </a:xfrm>
+          <a:prstGeom prst="rect">
+            <a:avLst/>
+          </a:prstGeom>
+        </p:spPr>
+        <p:txBody>
+          <a:bodyPr vert="horz" lIns="0" tIns="45720" rIns="0" bIns="45720" rtlCol="0">
+            <a:normAutofit/>
+          </a:bodyPr>
+          <a:lstStyle>
+            <a:lvl1pPr marL="91440" indent="-91440" algn="l" defTabSz="914400" rtl="0" eaLnBrk="1" latinLnBrk="0" hangingPunct="1">
+              <a:lnSpc>
+                <a:spcPct val="90000"/>
+              </a:lnSpc>
+              <a:spcBef>
+                <a:spcPts val="1200"/>
+              </a:spcBef>
+              <a:spcAft>
+                <a:spcPts val="200"/>
+              </a:spcAft>
+              <a:buClr>
+                <a:schemeClr val="accent1"/>
+              </a:buClr>
+              <a:buSzPct val="100000"/>
+              <a:buFont typeface="Calibri" panose="020F0502020204030204" pitchFamily="34" charset="0"/>
+              <a:buChar char=" "/>
+              <a:defRPr sz="2000" kern="1200">
                 <a:solidFill>
-                  <a:srgbClr val="FF0000"/>
+                  <a:schemeClr val="tx1">
+                    <a:lumMod val="75000"/>
+                    <a:lumOff val="25000"/>
+                  </a:schemeClr>
+                </a:solidFill>
+                <a:latin typeface="+mn-lt"/>
+                <a:ea typeface="+mn-ea"/>
+                <a:cs typeface="+mn-cs"/>
+              </a:defRPr>
+            </a:lvl1pPr>
+            <a:lvl2pPr marL="384048" indent="-182880" algn="l" defTabSz="914400" rtl="0" eaLnBrk="1" latinLnBrk="0" hangingPunct="1">
+              <a:lnSpc>
+                <a:spcPct val="90000"/>
+              </a:lnSpc>
+              <a:spcBef>
+                <a:spcPts val="200"/>
+              </a:spcBef>
+              <a:spcAft>
+                <a:spcPts val="400"/>
+              </a:spcAft>
+              <a:buClr>
+                <a:schemeClr val="accent1"/>
+              </a:buClr>
+              <a:buFont typeface="Calibri" pitchFamily="34" charset="0"/>
+              <a:buChar char="◦"/>
+              <a:defRPr sz="1800" kern="1200">
+                <a:solidFill>
+                  <a:schemeClr val="tx1">
+                    <a:lumMod val="75000"/>
+                    <a:lumOff val="25000"/>
+                  </a:schemeClr>
+                </a:solidFill>
+                <a:latin typeface="+mn-lt"/>
+                <a:ea typeface="+mn-ea"/>
+                <a:cs typeface="+mn-cs"/>
+              </a:defRPr>
+            </a:lvl2pPr>
+            <a:lvl3pPr marL="566928" indent="-182880" algn="l" defTabSz="914400" rtl="0" eaLnBrk="1" latinLnBrk="0" hangingPunct="1">
+              <a:lnSpc>
+                <a:spcPct val="90000"/>
+              </a:lnSpc>
+              <a:spcBef>
+                <a:spcPts val="200"/>
+              </a:spcBef>
+              <a:spcAft>
+                <a:spcPts val="400"/>
+              </a:spcAft>
+              <a:buClr>
+                <a:schemeClr val="accent1"/>
+              </a:buClr>
+              <a:buFont typeface="Calibri" pitchFamily="34" charset="0"/>
+              <a:buChar char="◦"/>
+              <a:defRPr sz="1400" kern="1200">
+                <a:solidFill>
+                  <a:schemeClr val="tx1">
+                    <a:lumMod val="75000"/>
+                    <a:lumOff val="25000"/>
+                  </a:schemeClr>
+                </a:solidFill>
+                <a:latin typeface="+mn-lt"/>
+                <a:ea typeface="+mn-ea"/>
+                <a:cs typeface="+mn-cs"/>
+              </a:defRPr>
+            </a:lvl3pPr>
+            <a:lvl4pPr marL="749808" indent="-182880" algn="l" defTabSz="914400" rtl="0" eaLnBrk="1" latinLnBrk="0" hangingPunct="1">
+              <a:lnSpc>
+                <a:spcPct val="90000"/>
+              </a:lnSpc>
+              <a:spcBef>
+                <a:spcPts val="200"/>
+              </a:spcBef>
+              <a:spcAft>
+                <a:spcPts val="400"/>
+              </a:spcAft>
+              <a:buClr>
+                <a:schemeClr val="accent1"/>
+              </a:buClr>
+              <a:buFont typeface="Calibri" pitchFamily="34" charset="0"/>
+              <a:buChar char="◦"/>
+              <a:defRPr sz="1400" kern="1200">
+                <a:solidFill>
+                  <a:schemeClr val="tx1">
+                    <a:lumMod val="75000"/>
+                    <a:lumOff val="25000"/>
+                  </a:schemeClr>
+                </a:solidFill>
+                <a:latin typeface="+mn-lt"/>
+                <a:ea typeface="+mn-ea"/>
+                <a:cs typeface="+mn-cs"/>
+              </a:defRPr>
+            </a:lvl4pPr>
+            <a:lvl5pPr marL="932688" indent="-182880" algn="l" defTabSz="914400" rtl="0" eaLnBrk="1" latinLnBrk="0" hangingPunct="1">
+              <a:lnSpc>
+                <a:spcPct val="90000"/>
+              </a:lnSpc>
+              <a:spcBef>
+                <a:spcPts val="200"/>
+              </a:spcBef>
+              <a:spcAft>
+                <a:spcPts val="400"/>
+              </a:spcAft>
+              <a:buClr>
+                <a:schemeClr val="accent1"/>
+              </a:buClr>
+              <a:buFont typeface="Calibri" pitchFamily="34" charset="0"/>
+              <a:buChar char="◦"/>
+              <a:defRPr sz="1400" kern="1200">
+                <a:solidFill>
+                  <a:schemeClr val="tx1">
+                    <a:lumMod val="75000"/>
+                    <a:lumOff val="25000"/>
+                  </a:schemeClr>
+                </a:solidFill>
+                <a:latin typeface="+mn-lt"/>
+                <a:ea typeface="+mn-ea"/>
+                <a:cs typeface="+mn-cs"/>
+              </a:defRPr>
+            </a:lvl5pPr>
+            <a:lvl6pPr marL="1100000" indent="-228600" algn="l" defTabSz="914400" rtl="0" eaLnBrk="1" latinLnBrk="0" hangingPunct="1">
+              <a:lnSpc>
+                <a:spcPct val="90000"/>
+              </a:lnSpc>
+              <a:spcBef>
+                <a:spcPts val="200"/>
+              </a:spcBef>
+              <a:spcAft>
+                <a:spcPts val="400"/>
+              </a:spcAft>
+              <a:buClr>
+                <a:schemeClr val="accent1"/>
+              </a:buClr>
+              <a:buFont typeface="Calibri" pitchFamily="34" charset="0"/>
+              <a:buChar char="◦"/>
+              <a:defRPr sz="1400" kern="1200">
+                <a:solidFill>
+                  <a:schemeClr val="tx1">
+                    <a:lumMod val="75000"/>
+                    <a:lumOff val="25000"/>
+                  </a:schemeClr>
+                </a:solidFill>
+                <a:latin typeface="+mn-lt"/>
+                <a:ea typeface="+mn-ea"/>
+                <a:cs typeface="+mn-cs"/>
+              </a:defRPr>
+            </a:lvl6pPr>
+            <a:lvl7pPr marL="1300000" indent="-228600" algn="l" defTabSz="914400" rtl="0" eaLnBrk="1" latinLnBrk="0" hangingPunct="1">
+              <a:lnSpc>
+                <a:spcPct val="90000"/>
+              </a:lnSpc>
+              <a:spcBef>
+                <a:spcPts val="200"/>
+              </a:spcBef>
+              <a:spcAft>
+                <a:spcPts val="400"/>
+              </a:spcAft>
+              <a:buClr>
+                <a:schemeClr val="accent1"/>
+              </a:buClr>
+              <a:buFont typeface="Calibri" pitchFamily="34" charset="0"/>
+              <a:buChar char="◦"/>
+              <a:defRPr sz="1400" kern="1200">
+                <a:solidFill>
+                  <a:schemeClr val="tx1">
+                    <a:lumMod val="75000"/>
+                    <a:lumOff val="25000"/>
+                  </a:schemeClr>
+                </a:solidFill>
+                <a:latin typeface="+mn-lt"/>
+                <a:ea typeface="+mn-ea"/>
+                <a:cs typeface="+mn-cs"/>
+              </a:defRPr>
+            </a:lvl7pPr>
+            <a:lvl8pPr marL="1500000" indent="-228600" algn="l" defTabSz="914400" rtl="0" eaLnBrk="1" latinLnBrk="0" hangingPunct="1">
+              <a:lnSpc>
+                <a:spcPct val="90000"/>
+              </a:lnSpc>
+              <a:spcBef>
+                <a:spcPts val="200"/>
+              </a:spcBef>
+              <a:spcAft>
+                <a:spcPts val="400"/>
+              </a:spcAft>
+              <a:buClr>
+                <a:schemeClr val="accent1"/>
+              </a:buClr>
+              <a:buFont typeface="Calibri" pitchFamily="34" charset="0"/>
+              <a:buChar char="◦"/>
+              <a:defRPr sz="1400" kern="1200">
+                <a:solidFill>
+                  <a:schemeClr val="tx1">
+                    <a:lumMod val="75000"/>
+                    <a:lumOff val="25000"/>
+                  </a:schemeClr>
+                </a:solidFill>
+                <a:latin typeface="+mn-lt"/>
+                <a:ea typeface="+mn-ea"/>
+                <a:cs typeface="+mn-cs"/>
+              </a:defRPr>
+            </a:lvl8pPr>
+            <a:lvl9pPr marL="1700000" indent="-228600" algn="l" defTabSz="914400" rtl="0" eaLnBrk="1" latinLnBrk="0" hangingPunct="1">
+              <a:lnSpc>
+                <a:spcPct val="90000"/>
+              </a:lnSpc>
+              <a:spcBef>
+                <a:spcPts val="200"/>
+              </a:spcBef>
+              <a:spcAft>
+                <a:spcPts val="400"/>
+              </a:spcAft>
+              <a:buClr>
+                <a:schemeClr val="accent1"/>
+              </a:buClr>
+              <a:buFont typeface="Calibri" pitchFamily="34" charset="0"/>
+              <a:buChar char="◦"/>
+              <a:defRPr sz="1400" kern="1200">
+                <a:solidFill>
+                  <a:schemeClr val="tx1">
+                    <a:lumMod val="75000"/>
+                    <a:lumOff val="25000"/>
+                  </a:schemeClr>
+                </a:solidFill>
+                <a:latin typeface="+mn-lt"/>
+                <a:ea typeface="+mn-ea"/>
+                <a:cs typeface="+mn-cs"/>
+              </a:defRPr>
+            </a:lvl9pPr>
+          </a:lstStyle>
+          <a:p>
+            <a:pPr marL="0" indent="0">
+              <a:buNone/>
+            </a:pPr>
+            <a:endParaRPr lang="en-CA"/>
+          </a:p>
+        </p:txBody>
+      </p:sp>
+      <p:sp>
+        <p:nvSpPr>
+          <p:cNvPr id="7" name="TextBox 6">
+            <a:extLst>
+              <a:ext uri="{FF2B5EF4-FFF2-40B4-BE49-F238E27FC236}">
+                <a16:creationId xmlns:a16="http://schemas.microsoft.com/office/drawing/2014/main" id="{9BC596B4-950B-4404-8764-2DEE718E32BB}"/>
+              </a:ext>
+            </a:extLst>
+          </p:cNvPr>
+          <p:cNvSpPr txBox="1"/>
+          <p:nvPr/>
+        </p:nvSpPr>
+        <p:spPr>
+          <a:xfrm>
+            <a:off x="1097280" y="4160001"/>
+            <a:ext cx="10517203" cy="1631216"/>
+          </a:xfrm>
+          <a:prstGeom prst="rect">
+            <a:avLst/>
+          </a:prstGeom>
+          <a:noFill/>
+        </p:spPr>
+        <p:txBody>
+          <a:bodyPr wrap="square">
+            <a:spAutoFit/>
+          </a:bodyPr>
+          <a:lstStyle/>
+          <a:p>
+            <a:r>
+              <a:rPr lang="en-US" sz="1600" b="1">
+                <a:solidFill>
+                  <a:schemeClr val="tx1">
+                    <a:lumMod val="75000"/>
+                    <a:lumOff val="25000"/>
+                  </a:schemeClr>
                 </a:solidFill>
               </a:rPr>
-              <a:t>TRUE?</a:t>
-            </a:r>
-            <a:endParaRPr lang="en-CA" dirty="0">
+              <a:t>Example – Non-review document</a:t>
+            </a:r>
+            <a:endParaRPr lang="en-US" sz="1600">
               <a:solidFill>
-                <a:srgbClr val="FF0000"/>
+                <a:schemeClr val="tx1">
+                  <a:lumMod val="75000"/>
+                  <a:lumOff val="25000"/>
+                </a:schemeClr>
               </a:solidFill>
             </a:endParaRPr>
+          </a:p>
+          <a:p>
+            <a:r>
+              <a:rPr lang="en-US" sz="1600">
+                <a:solidFill>
+                  <a:schemeClr val="tx1">
+                    <a:lumMod val="75000"/>
+                    <a:lumOff val="25000"/>
+                  </a:schemeClr>
+                </a:solidFill>
+              </a:rPr>
+              <a:t>8463 books neg 7.txt noam </a:t>
+            </a:r>
+            <a:r>
+              <a:rPr lang="en-US" sz="1600" b="1">
+                <a:solidFill>
+                  <a:schemeClr val="tx1">
+                    <a:lumMod val="75000"/>
+                    <a:lumOff val="25000"/>
+                  </a:schemeClr>
+                </a:solidFill>
+              </a:rPr>
+              <a:t>chomsky</a:t>
+            </a:r>
+            <a:r>
+              <a:rPr lang="en-US" sz="1600">
+                <a:solidFill>
+                  <a:schemeClr val="tx1">
+                    <a:lumMod val="75000"/>
+                    <a:lumOff val="25000"/>
+                  </a:schemeClr>
+                </a:solidFill>
+              </a:rPr>
+              <a:t> has thrived greatly in this great country of his , yours , and mine - the united states of america . he has made millions of dollars teaching , lecturing , selling his books , and investing </a:t>
+            </a:r>
+          </a:p>
+          <a:p>
+            <a:r>
+              <a:rPr lang="en-US" sz="1600">
+                <a:solidFill>
+                  <a:schemeClr val="tx1">
+                    <a:lumMod val="75000"/>
+                    <a:lumOff val="25000"/>
+                  </a:schemeClr>
+                </a:solidFill>
+              </a:rPr>
+              <a:t>…</a:t>
+            </a:r>
+            <a:br>
+              <a:rPr lang="en-US" sz="1600">
+                <a:solidFill>
+                  <a:schemeClr val="tx1">
+                    <a:lumMod val="75000"/>
+                    <a:lumOff val="25000"/>
+                  </a:schemeClr>
+                </a:solidFill>
+              </a:rPr>
+            </a:br>
+            <a:r>
+              <a:rPr lang="en-US" sz="1600">
+                <a:solidFill>
+                  <a:schemeClr val="tx1">
+                    <a:lumMod val="75000"/>
+                    <a:lumOff val="25000"/>
+                  </a:schemeClr>
+                </a:solidFill>
+              </a:rPr>
+              <a:t>let us hope he retires outside of our homeland that he hates so much , the united states of america . god bless america , which will continue to give </a:t>
+            </a:r>
+            <a:r>
+              <a:rPr lang="en-US" sz="1600" b="1">
+                <a:solidFill>
+                  <a:schemeClr val="tx1">
+                    <a:lumMod val="75000"/>
+                    <a:lumOff val="25000"/>
+                  </a:schemeClr>
+                </a:solidFill>
+              </a:rPr>
+              <a:t>chomsky</a:t>
+            </a:r>
+            <a:r>
+              <a:rPr lang="en-US" sz="1600">
+                <a:solidFill>
+                  <a:schemeClr val="tx1">
+                    <a:lumMod val="75000"/>
+                    <a:lumOff val="25000"/>
+                  </a:schemeClr>
+                </a:solidFill>
+              </a:rPr>
+              <a:t> the right to speak , teach , and make lots of money . raybo</a:t>
+            </a:r>
           </a:p>
         </p:txBody>
       </p:sp>
@@ -5495,9 +5949,10 @@
           <a:lstStyle/>
           <a:p>
             <a:r>
-              <a:rPr lang="en-CA" dirty="0"/>
-              <a:t>Best Measure to Compare With</a:t>
-            </a:r>
+              <a:rPr lang="en-CA"/>
+              <a:t>Metrics</a:t>
+            </a:r>
+            <a:endParaRPr lang="en-CA" dirty="0"/>
           </a:p>
         </p:txBody>
       </p:sp>
@@ -5511,45 +5966,70 @@
             <p:ph sz="half" idx="1"/>
           </p:nvPr>
         </p:nvSpPr>
-        <p:spPr/>
+        <p:spPr>
+          <a:xfrm>
+            <a:off x="1097278" y="2696388"/>
+            <a:ext cx="5120959" cy="3366526"/>
+          </a:xfrm>
+        </p:spPr>
         <p:txBody>
           <a:bodyPr/>
           <a:lstStyle/>
           <a:p>
-            <a:r>
-              <a:rPr lang="en-CA" dirty="0"/>
-              <a:t>The </a:t>
-            </a:r>
-            <a:r>
-              <a:rPr lang="en-CA" dirty="0" smtClean="0"/>
-              <a:t>frequencies </a:t>
-            </a:r>
-            <a:r>
-              <a:rPr lang="en-CA" dirty="0"/>
-              <a:t>of positive and negative </a:t>
-            </a:r>
-            <a:r>
-              <a:rPr lang="en-CA" dirty="0" smtClean="0"/>
-              <a:t>reviews </a:t>
-            </a:r>
-            <a:r>
-              <a:rPr lang="en-CA" dirty="0"/>
-              <a:t>are roughly equal in the training set, so we find that accuracy is the best measurement to compare algorithms with</a:t>
-            </a:r>
-            <a:r>
-              <a:rPr lang="en-CA" dirty="0" smtClean="0"/>
-              <a:t>.</a:t>
-            </a:r>
-          </a:p>
-          <a:p>
-            <a:r>
-              <a:rPr lang="en-CA" dirty="0" smtClean="0"/>
-              <a:t>In future slides, we will show all 4 measurements (accuracy, F1 score, precision, and recall), but we will focus on accuracy. This is especially true since the F1 score is really just a weighted harmonic mean of precision and recall.</a:t>
-            </a:r>
-            <a:endParaRPr lang="en-CA" dirty="0"/>
-          </a:p>
-          <a:p>
-            <a:endParaRPr lang="en-CA" dirty="0"/>
+            <a:pPr lvl="1"/>
+            <a:r>
+              <a:rPr lang="en-CA"/>
+              <a:t>Accuracy</a:t>
+            </a:r>
+          </a:p>
+          <a:p>
+            <a:pPr lvl="1"/>
+            <a:r>
+              <a:rPr lang="en-CA"/>
+              <a:t>Precision</a:t>
+            </a:r>
+          </a:p>
+          <a:p>
+            <a:pPr lvl="1"/>
+            <a:r>
+              <a:rPr lang="en-CA"/>
+              <a:t>Recall</a:t>
+            </a:r>
+          </a:p>
+          <a:p>
+            <a:pPr lvl="1"/>
+            <a:r>
+              <a:rPr lang="en-CA"/>
+              <a:t>F1-score</a:t>
+            </a:r>
+          </a:p>
+          <a:p>
+            <a:pPr marL="201168" lvl="1" indent="0">
+              <a:buNone/>
+            </a:pPr>
+            <a:endParaRPr lang="en-CA"/>
+          </a:p>
+          <a:p>
+            <a:pPr marL="201168" lvl="1" indent="0">
+              <a:buNone/>
+            </a:pPr>
+            <a:r>
+              <a:rPr lang="en-CA"/>
+              <a:t>Balanced class distribution </a:t>
+            </a:r>
+            <a:r>
+              <a:rPr lang="en-CA">
+                <a:sym typeface="Wingdings" panose="05000000000000000000" pitchFamily="2" charset="2"/>
+              </a:rPr>
+              <a:t></a:t>
+            </a:r>
+            <a:r>
+              <a:rPr lang="en-CA"/>
+              <a:t> confidence in accuracy</a:t>
+            </a:r>
+          </a:p>
+          <a:p>
+            <a:endParaRPr lang="en-CA"/>
           </a:p>
         </p:txBody>
       </p:sp>
@@ -5577,7 +6057,7 @@
         </p:blipFill>
         <p:spPr>
           <a:xfrm>
-            <a:off x="6218238" y="2006204"/>
+            <a:off x="6651374" y="2023187"/>
             <a:ext cx="4937125" cy="3702843"/>
           </a:xfrm>
         </p:spPr>
@@ -5628,8 +6108,8 @@
           <a:lstStyle/>
           <a:p>
             <a:r>
-              <a:rPr lang="en-CA" dirty="0" smtClean="0"/>
-              <a:t>Analysis of the Naïve Bayes Algorithm</a:t>
+              <a:rPr lang="en-CA"/>
+              <a:t>Naïve Bayes</a:t>
             </a:r>
             <a:endParaRPr lang="en-CA" dirty="0"/>
           </a:p>
@@ -5648,92 +6128,121 @@
         <p:spPr/>
         <p:txBody>
           <a:bodyPr>
-            <a:normAutofit lnSpcReduction="10000"/>
+            <a:normAutofit/>
           </a:bodyPr>
           <a:lstStyle/>
           <a:p>
+            <a:pPr>
+              <a:lnSpc>
+                <a:spcPct val="100000"/>
+              </a:lnSpc>
+            </a:pPr>
             <a:r>
               <a:rPr lang="en-CA" sz="1400" dirty="0"/>
-              <a:t> 	</a:t>
-            </a:r>
-            <a:r>
-              <a:rPr lang="en-CA" sz="1400" dirty="0" smtClean="0"/>
-              <a:t>    </a:t>
-            </a:r>
-            <a:r>
-              <a:rPr lang="en-CA" sz="1400" dirty="0" err="1" smtClean="0"/>
+              <a:t> </a:t>
+            </a:r>
+            <a:r>
+              <a:rPr lang="en-CA" sz="1400"/>
+              <a:t>	 </a:t>
+            </a:r>
+            <a:r>
+              <a:rPr lang="en-CA" sz="1400" err="1"/>
               <a:t>neg</a:t>
             </a:r>
             <a:r>
-              <a:rPr lang="en-CA" sz="1400" dirty="0" smtClean="0"/>
-              <a:t>                   	</a:t>
-            </a:r>
-            <a:r>
-              <a:rPr lang="en-CA" sz="1400" dirty="0" err="1" smtClean="0"/>
-              <a:t>pos</a:t>
-            </a:r>
-            <a:r>
-              <a:rPr lang="en-CA" sz="1400" dirty="0" smtClean="0"/>
-              <a:t>                 </a:t>
+              <a:rPr lang="en-CA" sz="1400"/>
+              <a:t>                  	pos                 </a:t>
             </a:r>
             <a:endParaRPr lang="en-CA" sz="1400" dirty="0"/>
           </a:p>
           <a:p>
+            <a:pPr>
+              <a:lnSpc>
+                <a:spcPct val="100000"/>
+              </a:lnSpc>
+            </a:pPr>
+            <a:r>
+              <a:rPr lang="en-CA" sz="1400"/>
+              <a:t>precision     0.7824367088607594  </a:t>
+            </a:r>
             <a:r>
               <a:rPr lang="en-CA" sz="1400" dirty="0"/>
-              <a:t>precision      </a:t>
-            </a:r>
-            <a:r>
-              <a:rPr lang="en-CA" sz="1400" dirty="0" smtClean="0"/>
-              <a:t>  0.7824367088607594  	0.8275245755138516  </a:t>
+              <a:t>	</a:t>
+            </a:r>
+            <a:r>
+              <a:rPr lang="en-CA" sz="1400"/>
+              <a:t>0.8275245755138516  </a:t>
             </a:r>
             <a:endParaRPr lang="en-CA" sz="1400" dirty="0"/>
           </a:p>
           <a:p>
+            <a:pPr>
+              <a:lnSpc>
+                <a:spcPct val="100000"/>
+              </a:lnSpc>
+            </a:pPr>
+            <a:r>
+              <a:rPr lang="en-CA" sz="1400"/>
+              <a:t>recall            0.8367174280879864  </a:t>
+            </a:r>
             <a:r>
               <a:rPr lang="en-CA" sz="1400" dirty="0"/>
-              <a:t>recall         </a:t>
-            </a:r>
-            <a:r>
-              <a:rPr lang="en-CA" sz="1400" dirty="0" smtClean="0"/>
-              <a:t>      0.8367174280879864  	0.7710241465445462  </a:t>
-            </a:r>
-            <a:endParaRPr lang="en-CA" sz="1400" dirty="0"/>
-          </a:p>
-          <a:p>
+              <a:t>	0.7710241465445462  </a:t>
+            </a:r>
+          </a:p>
+          <a:p>
+            <a:pPr>
+              <a:lnSpc>
+                <a:spcPct val="100000"/>
+              </a:lnSpc>
+            </a:pPr>
+            <a:r>
+              <a:rPr lang="en-CA" sz="1400"/>
+              <a:t>f1-score       0.8086672117743254  </a:t>
+            </a:r>
             <a:r>
               <a:rPr lang="en-CA" sz="1400" dirty="0"/>
-              <a:t>f1-score       </a:t>
-            </a:r>
-            <a:r>
-              <a:rPr lang="en-CA" sz="1400" dirty="0" smtClean="0"/>
-              <a:t>   0.8086672117743254  	0.7982758620689654  </a:t>
-            </a:r>
-            <a:endParaRPr lang="en-CA" sz="1400" dirty="0"/>
-          </a:p>
-          <a:p>
+              <a:t>	0.7982758620689654  </a:t>
+            </a:r>
+          </a:p>
+          <a:p>
+            <a:pPr>
+              <a:lnSpc>
+                <a:spcPct val="100000"/>
+              </a:lnSpc>
+            </a:pPr>
+            <a:r>
+              <a:rPr lang="en-CA" sz="1400"/>
+              <a:t>accuracy: </a:t>
+            </a:r>
             <a:r>
               <a:rPr lang="en-CA" sz="1400" dirty="0"/>
-              <a:t>accuracy: </a:t>
-            </a:r>
-            <a:r>
-              <a:rPr lang="en-CA" sz="1400" dirty="0" smtClean="0"/>
               <a:t>0.8036088963491398</a:t>
             </a:r>
-            <a:endParaRPr lang="en-CA" sz="1400" dirty="0"/>
-          </a:p>
-          <a:p>
-            <a:r>
-              <a:rPr lang="en-CA" sz="1400" dirty="0" smtClean="0"/>
-              <a:t>As you can see, Naïve Bayes performed well in terms of accuracy, scoring about 80%. Considering the confusion matrix, most classifications by far were in the True Positive and True Negative categories. Only a relatively small proportion of all data were False Positives or False Negatives. </a:t>
-            </a:r>
-          </a:p>
-          <a:p>
-            <a:r>
-              <a:rPr lang="en-CA" sz="1400" dirty="0" smtClean="0"/>
-              <a:t>This algorithm was also very fast, performing much faster than either Decision Tree algorithm. This is because only simple probability calculations are performed for each word in a document. Decision Trees are much more involved algorithms and take longer to compute.</a:t>
-            </a:r>
-            <a:endParaRPr lang="en-CA" sz="1400" dirty="0"/>
+          </a:p>
+          <a:p>
+            <a:endParaRPr lang="en-CA" sz="1400"/>
+          </a:p>
+          <a:p>
+            <a:r>
+              <a:rPr lang="en-CA" sz="1400"/>
+              <a:t>neg </a:t>
+            </a:r>
+            <a:r>
+              <a:rPr lang="en-CA" sz="1400">
+                <a:sym typeface="Wingdings" panose="05000000000000000000" pitchFamily="2" charset="2"/>
+              </a:rPr>
+              <a:t> higher recall (more neg predictions)</a:t>
+            </a:r>
+          </a:p>
+          <a:p>
+            <a:r>
+              <a:rPr lang="en-CA" sz="1400">
+                <a:sym typeface="Wingdings" panose="05000000000000000000" pitchFamily="2" charset="2"/>
+              </a:rPr>
+              <a:t>pos  higher precision (fewer pos predictions)</a:t>
+            </a:r>
+            <a:endParaRPr lang="en-CA" sz="1400"/>
           </a:p>
         </p:txBody>
       </p:sp>
@@ -5766,6 +6275,78 @@
           </a:xfrm>
         </p:spPr>
       </p:pic>
+      <p:sp>
+        <p:nvSpPr>
+          <p:cNvPr id="4" name="TextBox 3">
+            <a:extLst>
+              <a:ext uri="{FF2B5EF4-FFF2-40B4-BE49-F238E27FC236}">
+                <a16:creationId xmlns:a16="http://schemas.microsoft.com/office/drawing/2014/main" id="{AF8A45BA-DCC2-40F2-95F0-96D8E8062D28}"/>
+              </a:ext>
+            </a:extLst>
+          </p:cNvPr>
+          <p:cNvSpPr txBox="1"/>
+          <p:nvPr/>
+        </p:nvSpPr>
+        <p:spPr>
+          <a:xfrm>
+            <a:off x="7387390" y="5793225"/>
+            <a:ext cx="729916" cy="369332"/>
+          </a:xfrm>
+          <a:prstGeom prst="rect">
+            <a:avLst/>
+          </a:prstGeom>
+          <a:noFill/>
+        </p:spPr>
+        <p:txBody>
+          <a:bodyPr wrap="square" rtlCol="0">
+            <a:spAutoFit/>
+          </a:bodyPr>
+          <a:lstStyle/>
+          <a:p>
+            <a:pPr algn="ctr"/>
+            <a:r>
+              <a:rPr lang="en-US"/>
+              <a:t>1264</a:t>
+            </a:r>
+          </a:p>
+        </p:txBody>
+      </p:sp>
+      <p:sp>
+        <p:nvSpPr>
+          <p:cNvPr id="6" name="TextBox 5">
+            <a:extLst>
+              <a:ext uri="{FF2B5EF4-FFF2-40B4-BE49-F238E27FC236}">
+                <a16:creationId xmlns:a16="http://schemas.microsoft.com/office/drawing/2014/main" id="{FB17CDB8-5BCE-4D33-B6D8-86B1E96ADAA2}"/>
+              </a:ext>
+            </a:extLst>
+          </p:cNvPr>
+          <p:cNvSpPr txBox="1"/>
+          <p:nvPr/>
+        </p:nvSpPr>
+        <p:spPr>
+          <a:xfrm>
+            <a:off x="8803909" y="5793225"/>
+            <a:ext cx="729916" cy="369332"/>
+          </a:xfrm>
+          <a:prstGeom prst="rect">
+            <a:avLst/>
+          </a:prstGeom>
+          <a:noFill/>
+        </p:spPr>
+        <p:txBody>
+          <a:bodyPr wrap="square" rtlCol="0">
+            <a:spAutoFit/>
+          </a:bodyPr>
+          <a:lstStyle/>
+          <a:p>
+            <a:pPr algn="ctr"/>
+            <a:r>
+              <a:rPr lang="en-US"/>
+              <a:t>1119</a:t>
+            </a:r>
+          </a:p>
+        </p:txBody>
+      </p:sp>
     </p:spTree>
     <p:extLst>
       <p:ext uri="{BB962C8B-B14F-4D97-AF65-F5344CB8AC3E}">
@@ -5814,16 +6395,8 @@
           <a:lstStyle/>
           <a:p>
             <a:r>
-              <a:rPr lang="en-CA" sz="4500" dirty="0" smtClean="0"/>
-              <a:t>Analysis of the </a:t>
-            </a:r>
-            <a:r>
-              <a:rPr lang="en-CA" sz="4500" dirty="0"/>
-              <a:t>B</a:t>
-            </a:r>
-            <a:r>
-              <a:rPr lang="en-CA" sz="4500" dirty="0" smtClean="0"/>
-              <a:t>ase Decision Tree Algorithm</a:t>
+              <a:rPr lang="en-CA" sz="4500"/>
+              <a:t>Base Decision Tree</a:t>
             </a:r>
             <a:endParaRPr lang="en-CA" sz="4500" dirty="0"/>
           </a:p>
@@ -5839,53 +6412,64 @@
             <p:ph sz="half" idx="1"/>
           </p:nvPr>
         </p:nvSpPr>
-        <p:spPr/>
+        <p:spPr>
+          <a:xfrm>
+            <a:off x="1097279" y="1845733"/>
+            <a:ext cx="4937760" cy="4346519"/>
+          </a:xfrm>
+        </p:spPr>
         <p:txBody>
           <a:bodyPr>
-            <a:normAutofit lnSpcReduction="10000"/>
+            <a:noAutofit/>
           </a:bodyPr>
           <a:lstStyle/>
           <a:p>
+            <a:pPr>
+              <a:lnSpc>
+                <a:spcPct val="100000"/>
+              </a:lnSpc>
+            </a:pPr>
             <a:r>
               <a:rPr lang="en-CA" sz="1400" dirty="0"/>
-              <a:t> </a:t>
-            </a:r>
-            <a:r>
-              <a:rPr lang="en-CA" sz="1400" dirty="0" smtClean="0"/>
-              <a:t>	  </a:t>
-            </a:r>
-            <a:r>
-              <a:rPr lang="en-CA" sz="1400" dirty="0" err="1" smtClean="0"/>
+              <a:t> 	  </a:t>
+            </a:r>
+            <a:r>
+              <a:rPr lang="en-CA" sz="1400" dirty="0" err="1"/>
               <a:t>neg</a:t>
             </a:r>
             <a:r>
-              <a:rPr lang="en-CA" sz="1400" dirty="0" smtClean="0"/>
+              <a:rPr lang="en-CA" sz="1400" dirty="0"/>
               <a:t>                                   </a:t>
             </a:r>
             <a:r>
-              <a:rPr lang="en-CA" sz="1400" dirty="0" err="1" smtClean="0"/>
+              <a:rPr lang="en-CA" sz="1400" dirty="0" err="1"/>
               <a:t>pos</a:t>
             </a:r>
             <a:r>
-              <a:rPr lang="en-CA" sz="1400" dirty="0" smtClean="0"/>
+              <a:rPr lang="en-CA" sz="1400" dirty="0"/>
               <a:t>                 </a:t>
             </a:r>
-            <a:endParaRPr lang="en-CA" sz="1400" dirty="0"/>
-          </a:p>
-          <a:p>
+          </a:p>
+          <a:p>
+            <a:pPr>
+              <a:lnSpc>
+                <a:spcPct val="100000"/>
+              </a:lnSpc>
+            </a:pPr>
             <a:r>
               <a:rPr lang="en-CA" sz="1400" dirty="0"/>
               <a:t>precision      0.7016060862214708  0.7066666666666667  </a:t>
             </a:r>
           </a:p>
           <a:p>
-            <a:r>
-              <a:rPr lang="en-CA" sz="1400" dirty="0"/>
-              <a:t>recall         </a:t>
-            </a:r>
-            <a:r>
-              <a:rPr lang="en-CA" sz="1400" dirty="0" smtClean="0"/>
-              <a:t>   0.7021996615905245  </a:t>
+            <a:pPr>
+              <a:lnSpc>
+                <a:spcPct val="100000"/>
+              </a:lnSpc>
+            </a:pPr>
+            <a:r>
+              <a:rPr lang="en-CA" sz="1400"/>
+              <a:t>recall             0.7021996615905245  </a:t>
             </a:r>
             <a:r>
               <a:rPr lang="en-CA" sz="1400" dirty="0"/>
@@ -5893,54 +6477,81 @@
             </a:r>
           </a:p>
           <a:p>
+            <a:pPr>
+              <a:lnSpc>
+                <a:spcPct val="100000"/>
+              </a:lnSpc>
+            </a:pPr>
+            <a:r>
+              <a:rPr lang="en-CA" sz="1400"/>
+              <a:t>f1-score        </a:t>
+            </a:r>
             <a:r>
               <a:rPr lang="en-CA" sz="1400" dirty="0"/>
-              <a:t>f1-score       0.7019027484143764  0.7063723448563098  </a:t>
-            </a:r>
-          </a:p>
-          <a:p>
+              <a:t>0.7019027484143764  0.7063723448563098  </a:t>
+            </a:r>
+          </a:p>
+          <a:p>
+            <a:pPr>
+              <a:lnSpc>
+                <a:spcPct val="100000"/>
+              </a:lnSpc>
+            </a:pPr>
             <a:r>
               <a:rPr lang="en-CA" sz="1400" dirty="0"/>
-              <a:t>accuracy: </a:t>
-            </a:r>
-            <a:r>
-              <a:rPr lang="en-CA" sz="1400" dirty="0" smtClean="0"/>
-              <a:t>0.7041544271926143</a:t>
-            </a:r>
-          </a:p>
-          <a:p>
-            <a:r>
-              <a:rPr lang="en-CA" sz="1400" dirty="0" smtClean="0"/>
-              <a:t>This algorithm performed noticeably worse than the Naïve Bayes approach, scoring only 70.4% accuracy. There are also fewer items in the True Positive and Negative categories, and more items in the False Positive and Negative categories, indicating more misclassification.</a:t>
-            </a:r>
-          </a:p>
-          <a:p>
-            <a:r>
-              <a:rPr lang="en-CA" sz="1400" dirty="0" smtClean="0"/>
-              <a:t>Our initial Decision Tree algorithm assumes that the criterion is set to “entropy” and the </a:t>
-            </a:r>
-            <a:r>
-              <a:rPr lang="en-CA" sz="1400" dirty="0" err="1" smtClean="0"/>
-              <a:t>random_state</a:t>
-            </a:r>
-            <a:r>
-              <a:rPr lang="en-CA" sz="1400" dirty="0" smtClean="0"/>
-              <a:t> is 0 (this is to ensure deterministic behaviour during fitting. </a:t>
-            </a:r>
-            <a:r>
-              <a:rPr lang="en-CA" sz="1400" dirty="0"/>
-              <a:t>See </a:t>
-            </a:r>
-            <a:r>
-              <a:rPr lang="en-CA" sz="1400" dirty="0">
+              <a:t>accuracy</a:t>
+            </a:r>
+            <a:r>
+              <a:rPr lang="en-CA" sz="1400"/>
+              <a:t>: 0.7041544271926143</a:t>
+            </a:r>
+          </a:p>
+          <a:p>
+            <a:pPr>
+              <a:lnSpc>
+                <a:spcPct val="100000"/>
+              </a:lnSpc>
+            </a:pPr>
+            <a:endParaRPr lang="en-CA" sz="1400"/>
+          </a:p>
+          <a:p>
+            <a:pPr>
+              <a:lnSpc>
+                <a:spcPct val="100000"/>
+              </a:lnSpc>
+            </a:pPr>
+            <a:r>
+              <a:rPr lang="en-CA" sz="1400"/>
+              <a:t>Lower accuracy compared to NB (0.8036).</a:t>
+            </a:r>
+            <a:br>
+              <a:rPr lang="en-CA" sz="1400"/>
+            </a:br>
+            <a:br>
+              <a:rPr lang="en-CA" sz="1400"/>
+            </a:br>
+            <a:r>
+              <a:rPr lang="en-CA" sz="1400" b="1"/>
+              <a:t>Hyperparameters</a:t>
+            </a:r>
+            <a:br>
+              <a:rPr lang="en-CA" sz="1400" b="1"/>
+            </a:br>
+            <a:r>
+              <a:rPr lang="en-CA" sz="1400"/>
+              <a:t>Our initial Decision Tree algorithm assumes that the criterion is set to “entropy” and the random_state is 0 (this is to ensure deterministic behaviour during fitting. See </a:t>
+            </a:r>
+            <a:r>
+              <a:rPr lang="en-CA" sz="1400">
                 <a:hlinkClick r:id="rId2"/>
               </a:rPr>
               <a:t>https://scikit-learn.org/stable/modules/generated/sklearn.tree.DecisionTreeClassifier.html</a:t>
             </a:r>
             <a:r>
-              <a:rPr lang="en-CA" sz="1400" dirty="0"/>
+              <a:rPr lang="en-CA" sz="1400"/>
               <a:t>).</a:t>
             </a:r>
+            <a:endParaRPr lang="en-CA" sz="1400" dirty="0"/>
           </a:p>
         </p:txBody>
       </p:sp>
@@ -5973,6 +6584,78 @@
           </a:xfrm>
         </p:spPr>
       </p:pic>
+      <p:sp>
+        <p:nvSpPr>
+          <p:cNvPr id="6" name="TextBox 5">
+            <a:extLst>
+              <a:ext uri="{FF2B5EF4-FFF2-40B4-BE49-F238E27FC236}">
+                <a16:creationId xmlns:a16="http://schemas.microsoft.com/office/drawing/2014/main" id="{EE1C579C-3051-40CF-9646-8FF2ADCD8C76}"/>
+              </a:ext>
+            </a:extLst>
+          </p:cNvPr>
+          <p:cNvSpPr txBox="1"/>
+          <p:nvPr/>
+        </p:nvSpPr>
+        <p:spPr>
+          <a:xfrm>
+            <a:off x="7387390" y="5793225"/>
+            <a:ext cx="729916" cy="369332"/>
+          </a:xfrm>
+          <a:prstGeom prst="rect">
+            <a:avLst/>
+          </a:prstGeom>
+          <a:noFill/>
+        </p:spPr>
+        <p:txBody>
+          <a:bodyPr wrap="square" rtlCol="0">
+            <a:spAutoFit/>
+          </a:bodyPr>
+          <a:lstStyle/>
+          <a:p>
+            <a:pPr algn="ctr"/>
+            <a:r>
+              <a:rPr lang="en-US"/>
+              <a:t>1183</a:t>
+            </a:r>
+          </a:p>
+        </p:txBody>
+      </p:sp>
+      <p:sp>
+        <p:nvSpPr>
+          <p:cNvPr id="7" name="TextBox 6">
+            <a:extLst>
+              <a:ext uri="{FF2B5EF4-FFF2-40B4-BE49-F238E27FC236}">
+                <a16:creationId xmlns:a16="http://schemas.microsoft.com/office/drawing/2014/main" id="{84ED26E2-8F48-4C88-8C57-61C5612DE573}"/>
+              </a:ext>
+            </a:extLst>
+          </p:cNvPr>
+          <p:cNvSpPr txBox="1"/>
+          <p:nvPr/>
+        </p:nvSpPr>
+        <p:spPr>
+          <a:xfrm>
+            <a:off x="8803909" y="5793225"/>
+            <a:ext cx="729916" cy="369332"/>
+          </a:xfrm>
+          <a:prstGeom prst="rect">
+            <a:avLst/>
+          </a:prstGeom>
+          <a:noFill/>
+        </p:spPr>
+        <p:txBody>
+          <a:bodyPr wrap="square" rtlCol="0">
+            <a:spAutoFit/>
+          </a:bodyPr>
+          <a:lstStyle/>
+          <a:p>
+            <a:pPr algn="ctr"/>
+            <a:r>
+              <a:rPr lang="en-US"/>
+              <a:t>1200</a:t>
+            </a:r>
+          </a:p>
+        </p:txBody>
+      </p:sp>
     </p:spTree>
     <p:extLst>
       <p:ext uri="{BB962C8B-B14F-4D97-AF65-F5344CB8AC3E}">
@@ -6021,17 +6704,10 @@
           <a:lstStyle/>
           <a:p>
             <a:r>
-              <a:rPr lang="en-CA" sz="4500" dirty="0"/>
-              <a:t>Analysis of the </a:t>
-            </a:r>
-            <a:r>
-              <a:rPr lang="en-CA" sz="4500" dirty="0" smtClean="0"/>
-              <a:t>Best </a:t>
-            </a:r>
-            <a:r>
-              <a:rPr lang="en-CA" sz="4500" dirty="0"/>
-              <a:t>Decision Tree Algorithm</a:t>
-            </a:r>
+              <a:rPr lang="en-CA" sz="4500"/>
+              <a:t>Best Decision Tree</a:t>
+            </a:r>
+            <a:endParaRPr lang="en-CA" sz="4500" dirty="0"/>
           </a:p>
         </p:txBody>
       </p:sp>
@@ -6052,20 +6728,21 @@
           </a:bodyPr>
           <a:lstStyle/>
           <a:p>
+            <a:pPr>
+              <a:lnSpc>
+                <a:spcPct val="100000"/>
+              </a:lnSpc>
+            </a:pPr>
             <a:r>
               <a:rPr lang="en-CA" sz="1400" dirty="0"/>
-              <a:t> </a:t>
-            </a:r>
-            <a:r>
-              <a:rPr lang="en-CA" sz="1400" dirty="0" smtClean="0"/>
-              <a:t>	  </a:t>
-            </a:r>
-            <a:r>
-              <a:rPr lang="en-CA" sz="1400" dirty="0" err="1" smtClean="0"/>
+              <a:t> 	  </a:t>
+            </a:r>
+            <a:r>
+              <a:rPr lang="en-CA" sz="1400" dirty="0" err="1"/>
               <a:t>neg</a:t>
             </a:r>
             <a:r>
-              <a:rPr lang="en-CA" sz="1400" dirty="0" smtClean="0"/>
+              <a:rPr lang="en-CA" sz="1400" dirty="0"/>
               <a:t>                                   </a:t>
             </a:r>
             <a:r>
@@ -6078,53 +6755,75 @@
             </a:r>
           </a:p>
           <a:p>
+            <a:pPr>
+              <a:lnSpc>
+                <a:spcPct val="100000"/>
+              </a:lnSpc>
+            </a:pPr>
             <a:r>
               <a:rPr lang="en-CA" sz="1400" dirty="0"/>
               <a:t>precision      0.7112068965517241  0.7080948487326247  </a:t>
             </a:r>
           </a:p>
           <a:p>
+            <a:pPr>
+              <a:lnSpc>
+                <a:spcPct val="100000"/>
+              </a:lnSpc>
+            </a:pPr>
+            <a:r>
+              <a:rPr lang="en-CA" sz="1400"/>
+              <a:t>recall             </a:t>
+            </a:r>
             <a:r>
               <a:rPr lang="en-CA" sz="1400" dirty="0"/>
-              <a:t>recall         </a:t>
-            </a:r>
-            <a:r>
-              <a:rPr lang="en-CA" sz="1400" dirty="0" smtClean="0"/>
-              <a:t>   0.6979695431472082  </a:t>
+              <a:t>0.6979695431472082  0.7210657785179018  </a:t>
+            </a:r>
+          </a:p>
+          <a:p>
+            <a:pPr>
+              <a:lnSpc>
+                <a:spcPct val="100000"/>
+              </a:lnSpc>
+            </a:pPr>
+            <a:r>
+              <a:rPr lang="en-CA" sz="1400"/>
+              <a:t>f1-score        0.704526046114432    </a:t>
             </a:r>
             <a:r>
               <a:rPr lang="en-CA" sz="1400" dirty="0"/>
-              <a:t>0.7210657785179018  </a:t>
-            </a:r>
-          </a:p>
-          <a:p>
+              <a:t>0.7145214521452145  </a:t>
+            </a:r>
+          </a:p>
+          <a:p>
+            <a:pPr>
+              <a:lnSpc>
+                <a:spcPct val="100000"/>
+              </a:lnSpc>
+            </a:pPr>
             <a:r>
               <a:rPr lang="en-CA" sz="1400" dirty="0"/>
-              <a:t>f1-score       0.704526046114432   </a:t>
-            </a:r>
-            <a:r>
-              <a:rPr lang="en-CA" sz="1400" dirty="0" smtClean="0"/>
-              <a:t> 0.7145214521452145  </a:t>
-            </a:r>
-            <a:endParaRPr lang="en-CA" sz="1400" dirty="0"/>
-          </a:p>
-          <a:p>
-            <a:r>
-              <a:rPr lang="en-CA" sz="1400" dirty="0"/>
-              <a:t>accuracy: </a:t>
-            </a:r>
-            <a:r>
-              <a:rPr lang="en-CA" sz="1400" dirty="0" smtClean="0"/>
-              <a:t>0.7096097356273605</a:t>
-            </a:r>
-          </a:p>
-          <a:p>
-            <a:r>
-              <a:rPr lang="en-CA" sz="1400" dirty="0" smtClean="0"/>
-              <a:t>This algorithm, surprisingly, performs only very slightly better, giving 70.9% accuracy. Its confusion matrix is also very similar to the base Decision Tree approach, indicating similar proportions of classification and misclassification.</a:t>
-            </a:r>
-          </a:p>
-          <a:p>
+              <a:t>accuracy: 0.7096097356273605</a:t>
+            </a:r>
+          </a:p>
+          <a:p>
+            <a:pPr>
+              <a:lnSpc>
+                <a:spcPct val="100000"/>
+              </a:lnSpc>
+            </a:pPr>
+            <a:endParaRPr lang="en-CA" sz="1400"/>
+          </a:p>
+          <a:p>
+            <a:pPr>
+              <a:lnSpc>
+                <a:spcPct val="100000"/>
+              </a:lnSpc>
+            </a:pPr>
+            <a:r>
+              <a:rPr lang="en-CA" sz="1400"/>
+              <a:t>Slightly better than base DT (0.7042).</a:t>
+            </a:r>
             <a:endParaRPr lang="en-CA" sz="1400" dirty="0"/>
           </a:p>
         </p:txBody>
@@ -6158,6 +6857,78 @@
           </a:xfrm>
         </p:spPr>
       </p:pic>
+      <p:sp>
+        <p:nvSpPr>
+          <p:cNvPr id="6" name="TextBox 5">
+            <a:extLst>
+              <a:ext uri="{FF2B5EF4-FFF2-40B4-BE49-F238E27FC236}">
+                <a16:creationId xmlns:a16="http://schemas.microsoft.com/office/drawing/2014/main" id="{6BCC6401-1EC2-4DC5-8A06-467EA25BB301}"/>
+              </a:ext>
+            </a:extLst>
+          </p:cNvPr>
+          <p:cNvSpPr txBox="1"/>
+          <p:nvPr/>
+        </p:nvSpPr>
+        <p:spPr>
+          <a:xfrm>
+            <a:off x="7387390" y="5793225"/>
+            <a:ext cx="729916" cy="369332"/>
+          </a:xfrm>
+          <a:prstGeom prst="rect">
+            <a:avLst/>
+          </a:prstGeom>
+          <a:noFill/>
+        </p:spPr>
+        <p:txBody>
+          <a:bodyPr wrap="square" rtlCol="0">
+            <a:spAutoFit/>
+          </a:bodyPr>
+          <a:lstStyle/>
+          <a:p>
+            <a:pPr algn="ctr"/>
+            <a:r>
+              <a:rPr lang="en-US"/>
+              <a:t>1160</a:t>
+            </a:r>
+          </a:p>
+        </p:txBody>
+      </p:sp>
+      <p:sp>
+        <p:nvSpPr>
+          <p:cNvPr id="7" name="TextBox 6">
+            <a:extLst>
+              <a:ext uri="{FF2B5EF4-FFF2-40B4-BE49-F238E27FC236}">
+                <a16:creationId xmlns:a16="http://schemas.microsoft.com/office/drawing/2014/main" id="{4D5099CA-9C66-404E-B5BA-B67BAA473D1A}"/>
+              </a:ext>
+            </a:extLst>
+          </p:cNvPr>
+          <p:cNvSpPr txBox="1"/>
+          <p:nvPr/>
+        </p:nvSpPr>
+        <p:spPr>
+          <a:xfrm>
+            <a:off x="8803909" y="5793225"/>
+            <a:ext cx="729916" cy="369332"/>
+          </a:xfrm>
+          <a:prstGeom prst="rect">
+            <a:avLst/>
+          </a:prstGeom>
+          <a:noFill/>
+        </p:spPr>
+        <p:txBody>
+          <a:bodyPr wrap="square" rtlCol="0">
+            <a:spAutoFit/>
+          </a:bodyPr>
+          <a:lstStyle/>
+          <a:p>
+            <a:pPr algn="ctr"/>
+            <a:r>
+              <a:rPr lang="en-US"/>
+              <a:t>1223</a:t>
+            </a:r>
+          </a:p>
+        </p:txBody>
+      </p:sp>
     </p:spTree>
     <p:extLst>
       <p:ext uri="{BB962C8B-B14F-4D97-AF65-F5344CB8AC3E}">
@@ -6204,10 +6975,9 @@
           <a:lstStyle/>
           <a:p>
             <a:r>
-              <a:rPr lang="en-CA" dirty="0" smtClean="0"/>
+              <a:rPr lang="en-CA" dirty="0"/>
               <a:t>Further Analysis of the Best Decision Tree</a:t>
             </a:r>
-            <a:endParaRPr lang="en-CA" dirty="0"/>
           </a:p>
         </p:txBody>
       </p:sp>
@@ -6226,65 +6996,75 @@
           <a:bodyPr/>
           <a:lstStyle/>
           <a:p>
-            <a:r>
-              <a:rPr lang="en-CA" dirty="0" smtClean="0"/>
-              <a:t>The best Decision Tree classifier was found using a </a:t>
-            </a:r>
-            <a:r>
-              <a:rPr lang="en-CA" dirty="0"/>
-              <a:t>c</a:t>
-            </a:r>
-            <a:r>
-              <a:rPr lang="en-CA" dirty="0" smtClean="0"/>
-              <a:t>ustom function that exhaustively tested all combinations of parameters using cross-validation.</a:t>
-            </a:r>
-          </a:p>
-          <a:p>
-            <a:r>
-              <a:rPr lang="en-CA" dirty="0" smtClean="0"/>
-              <a:t>We used </a:t>
-            </a:r>
-            <a:r>
-              <a:rPr lang="en-CA" dirty="0" err="1" smtClean="0"/>
-              <a:t>KFold</a:t>
-            </a:r>
-            <a:r>
-              <a:rPr lang="en-CA" dirty="0" smtClean="0"/>
-              <a:t> and </a:t>
-            </a:r>
-            <a:r>
-              <a:rPr lang="en-CA" dirty="0" err="1" smtClean="0"/>
-              <a:t>GridSearchCV</a:t>
-            </a:r>
-            <a:r>
-              <a:rPr lang="en-CA" dirty="0" smtClean="0"/>
-              <a:t> (both from </a:t>
-            </a:r>
-            <a:r>
-              <a:rPr lang="en-CA" dirty="0" err="1" smtClean="0"/>
-              <a:t>sklearn.model_selection</a:t>
-            </a:r>
-            <a:r>
-              <a:rPr lang="en-CA" dirty="0" smtClean="0"/>
-              <a:t>) for this.</a:t>
-            </a:r>
-          </a:p>
-          <a:p>
-            <a:r>
-              <a:rPr lang="en-CA" dirty="0" smtClean="0">
-                <a:solidFill>
-                  <a:srgbClr val="FF0000"/>
-                </a:solidFill>
-              </a:rPr>
-              <a:t>EXPLAIN MORE</a:t>
-            </a:r>
-          </a:p>
-          <a:p>
-            <a:endParaRPr lang="en-CA" dirty="0">
-              <a:solidFill>
-                <a:srgbClr val="FF0000"/>
-              </a:solidFill>
-            </a:endParaRPr>
+            <a:pPr>
+              <a:lnSpc>
+                <a:spcPct val="100000"/>
+              </a:lnSpc>
+            </a:pPr>
+            <a:endParaRPr lang="en-CA"/>
+          </a:p>
+          <a:p>
+            <a:pPr algn="ctr">
+              <a:lnSpc>
+                <a:spcPct val="100000"/>
+              </a:lnSpc>
+            </a:pPr>
+            <a:r>
+              <a:rPr lang="en-CA" sz="2800"/>
+              <a:t>Best Decision Tree = DT + GridSearchCV + Kfold</a:t>
+            </a:r>
+          </a:p>
+          <a:p>
+            <a:pPr algn="ctr">
+              <a:lnSpc>
+                <a:spcPct val="100000"/>
+              </a:lnSpc>
+            </a:pPr>
+            <a:endParaRPr lang="en-CA"/>
+          </a:p>
+          <a:p>
+            <a:pPr>
+              <a:lnSpc>
+                <a:spcPct val="100000"/>
+              </a:lnSpc>
+            </a:pPr>
+            <a:r>
+              <a:rPr lang="en-CA" b="1"/>
+              <a:t>Hyperparameters searched</a:t>
+            </a:r>
+          </a:p>
+          <a:p>
+            <a:pPr>
+              <a:lnSpc>
+                <a:spcPct val="100000"/>
+              </a:lnSpc>
+            </a:pPr>
+            <a:r>
+              <a:rPr lang="en-CA"/>
+              <a:t>criterion – {entropy, gini}</a:t>
+            </a:r>
+          </a:p>
+          <a:p>
+            <a:pPr>
+              <a:lnSpc>
+                <a:spcPct val="100000"/>
+              </a:lnSpc>
+            </a:pPr>
+            <a:r>
+              <a:rPr lang="en-CA"/>
+              <a:t>splitter – {best, random}</a:t>
+            </a:r>
+          </a:p>
+          <a:p>
+            <a:pPr>
+              <a:lnSpc>
+                <a:spcPct val="100000"/>
+              </a:lnSpc>
+            </a:pPr>
+            <a:r>
+              <a:rPr lang="en-CA"/>
+              <a:t>max_depth – {range between 30 and 100}</a:t>
+            </a:r>
           </a:p>
         </p:txBody>
       </p:sp>

--- a/presentation.pptx
+++ b/presentation.pptx
@@ -211,7 +211,7 @@
           <a:p>
             <a:fld id="{4B8A3886-BDAA-4F0D-95D5-53783887F201}" type="datetimeFigureOut">
               <a:rPr lang="en-CA" smtClean="0"/>
-              <a:t>2021-02-17</a:t>
+              <a:t>2021-02-18</a:t>
             </a:fld>
             <a:endParaRPr lang="en-CA"/>
           </a:p>
@@ -873,7 +873,7 @@
           <a:p>
             <a:fld id="{E40A88B8-36DE-49AC-B294-078E6D847F2E}" type="datetimeFigureOut">
               <a:rPr lang="en-CA" smtClean="0"/>
-              <a:t>2021-02-17</a:t>
+              <a:t>2021-02-18</a:t>
             </a:fld>
             <a:endParaRPr lang="en-CA"/>
           </a:p>
@@ -1081,7 +1081,7 @@
           <a:p>
             <a:fld id="{E40A88B8-36DE-49AC-B294-078E6D847F2E}" type="datetimeFigureOut">
               <a:rPr lang="en-CA" smtClean="0"/>
-              <a:t>2021-02-17</a:t>
+              <a:t>2021-02-18</a:t>
             </a:fld>
             <a:endParaRPr lang="en-CA"/>
           </a:p>
@@ -1337,7 +1337,7 @@
           <a:p>
             <a:fld id="{E40A88B8-36DE-49AC-B294-078E6D847F2E}" type="datetimeFigureOut">
               <a:rPr lang="en-CA" smtClean="0"/>
-              <a:t>2021-02-17</a:t>
+              <a:t>2021-02-18</a:t>
             </a:fld>
             <a:endParaRPr lang="en-CA"/>
           </a:p>
@@ -1511,7 +1511,7 @@
           <a:p>
             <a:fld id="{E40A88B8-36DE-49AC-B294-078E6D847F2E}" type="datetimeFigureOut">
               <a:rPr lang="en-CA" smtClean="0"/>
-              <a:t>2021-02-17</a:t>
+              <a:t>2021-02-18</a:t>
             </a:fld>
             <a:endParaRPr lang="en-CA"/>
           </a:p>
@@ -1854,7 +1854,7 @@
           <a:p>
             <a:fld id="{E40A88B8-36DE-49AC-B294-078E6D847F2E}" type="datetimeFigureOut">
               <a:rPr lang="en-CA" smtClean="0"/>
-              <a:t>2021-02-17</a:t>
+              <a:t>2021-02-18</a:t>
             </a:fld>
             <a:endParaRPr lang="en-CA"/>
           </a:p>
@@ -2129,7 +2129,7 @@
           <a:p>
             <a:fld id="{E40A88B8-36DE-49AC-B294-078E6D847F2E}" type="datetimeFigureOut">
               <a:rPr lang="en-CA" smtClean="0"/>
-              <a:t>2021-02-17</a:t>
+              <a:t>2021-02-18</a:t>
             </a:fld>
             <a:endParaRPr lang="en-CA"/>
           </a:p>
@@ -2505,7 +2505,7 @@
           <a:p>
             <a:fld id="{E40A88B8-36DE-49AC-B294-078E6D847F2E}" type="datetimeFigureOut">
               <a:rPr lang="en-CA" smtClean="0"/>
-              <a:t>2021-02-17</a:t>
+              <a:t>2021-02-18</a:t>
             </a:fld>
             <a:endParaRPr lang="en-CA"/>
           </a:p>
@@ -2623,7 +2623,7 @@
           <a:p>
             <a:fld id="{E40A88B8-36DE-49AC-B294-078E6D847F2E}" type="datetimeFigureOut">
               <a:rPr lang="en-CA" smtClean="0"/>
-              <a:t>2021-02-17</a:t>
+              <a:t>2021-02-18</a:t>
             </a:fld>
             <a:endParaRPr lang="en-CA"/>
           </a:p>
@@ -2794,7 +2794,7 @@
           <a:p>
             <a:fld id="{E40A88B8-36DE-49AC-B294-078E6D847F2E}" type="datetimeFigureOut">
               <a:rPr lang="en-CA" smtClean="0"/>
-              <a:t>2021-02-17</a:t>
+              <a:t>2021-02-18</a:t>
             </a:fld>
             <a:endParaRPr lang="en-CA"/>
           </a:p>
@@ -3148,7 +3148,7 @@
           <a:p>
             <a:fld id="{E40A88B8-36DE-49AC-B294-078E6D847F2E}" type="datetimeFigureOut">
               <a:rPr lang="en-CA" smtClean="0"/>
-              <a:t>2021-02-17</a:t>
+              <a:t>2021-02-18</a:t>
             </a:fld>
             <a:endParaRPr lang="en-CA"/>
           </a:p>
@@ -3530,7 +3530,7 @@
           <a:p>
             <a:fld id="{E40A88B8-36DE-49AC-B294-078E6D847F2E}" type="datetimeFigureOut">
               <a:rPr lang="en-CA" smtClean="0"/>
-              <a:t>2021-02-17</a:t>
+              <a:t>2021-02-18</a:t>
             </a:fld>
             <a:endParaRPr lang="en-CA"/>
           </a:p>
@@ -3817,7 +3817,7 @@
           <a:p>
             <a:fld id="{E40A88B8-36DE-49AC-B294-078E6D847F2E}" type="datetimeFigureOut">
               <a:rPr lang="en-CA" smtClean="0"/>
-              <a:t>2021-02-17</a:t>
+              <a:t>2021-02-18</a:t>
             </a:fld>
             <a:endParaRPr lang="en-CA"/>
           </a:p>
@@ -4394,15 +4394,14 @@
           </a:p>
           <a:p>
             <a:r>
-              <a:rPr lang="en-CA"/>
+              <a:rPr lang="en-CA" dirty="0"/>
               <a:t>Evan Mateo 27725167</a:t>
             </a:r>
-            <a:endParaRPr lang="en-CA" dirty="0"/>
           </a:p>
           <a:p>
             <a:r>
               <a:rPr lang="en-CA" dirty="0"/>
-              <a:t>Joanna Lin</a:t>
+              <a:t>Joanna Lin 40055253</a:t>
             </a:r>
           </a:p>
         </p:txBody>
@@ -4988,7 +4987,7 @@
               <a:buAutoNum type="arabicPeriod"/>
             </a:pPr>
             <a:r>
-              <a:rPr lang="en-CA"/>
+              <a:rPr lang="en-CA" dirty="0"/>
               <a:t>Worked on reading the initial dataset</a:t>
             </a:r>
           </a:p>
@@ -4998,9 +4997,14 @@
               <a:buAutoNum type="arabicPeriod"/>
             </a:pPr>
             <a:r>
-              <a:rPr lang="en-CA"/>
-              <a:t>Vectorized words of documents using CountVectorizer</a:t>
-            </a:r>
+              <a:rPr lang="en-CA" dirty="0"/>
+              <a:t>Vectorized words of documents using </a:t>
+            </a:r>
+            <a:r>
+              <a:rPr lang="en-CA" dirty="0" err="1"/>
+              <a:t>CountVectorizer</a:t>
+            </a:r>
+            <a:endParaRPr lang="en-CA" dirty="0"/>
           </a:p>
           <a:p>
             <a:pPr marL="457200" indent="-457200">
@@ -5008,8 +5012,8 @@
               <a:buAutoNum type="arabicPeriod"/>
             </a:pPr>
             <a:r>
-              <a:rPr lang="en-CA"/>
-              <a:t>Worked on the best decision tree using GridSearchCV and KFold for automatically searching the optimal hyperparameters</a:t>
+              <a:rPr lang="en-CA" dirty="0"/>
+              <a:t>Worked on Naïve Bayes model</a:t>
             </a:r>
           </a:p>
           <a:p>
@@ -5018,8 +5022,24 @@
               <a:buAutoNum type="arabicPeriod"/>
             </a:pPr>
             <a:r>
-              <a:rPr lang="en-CA"/>
-              <a:t>Plot class (label) distribution</a:t>
+              <a:rPr lang="en-CA" dirty="0"/>
+              <a:t>Worked on the best decision tree using </a:t>
+            </a:r>
+            <a:r>
+              <a:rPr lang="en-CA" dirty="0" err="1"/>
+              <a:t>GridSearchCV</a:t>
+            </a:r>
+            <a:r>
+              <a:rPr lang="en-CA" dirty="0"/>
+              <a:t> and </a:t>
+            </a:r>
+            <a:r>
+              <a:rPr lang="en-CA" dirty="0" err="1"/>
+              <a:t>KFold</a:t>
+            </a:r>
+            <a:r>
+              <a:rPr lang="en-CA" dirty="0"/>
+              <a:t> for automatically searching the optimal hyperparameters</a:t>
             </a:r>
           </a:p>
           <a:p>
@@ -5028,10 +5048,19 @@
               <a:buAutoNum type="arabicPeriod"/>
             </a:pPr>
             <a:r>
-              <a:rPr lang="en-CA"/>
+              <a:rPr lang="en-CA" dirty="0"/>
+              <a:t>Plot class (label) distribution</a:t>
+            </a:r>
+          </a:p>
+          <a:p>
+            <a:pPr marL="457200" indent="-457200">
+              <a:buFont typeface="+mj-lt"/>
+              <a:buAutoNum type="arabicPeriod"/>
+            </a:pPr>
+            <a:r>
+              <a:rPr lang="en-CA" dirty="0"/>
               <a:t>Worked on outputting list of false positives for task 4 analysis</a:t>
             </a:r>
-            <a:endParaRPr lang="en-CA" dirty="0"/>
           </a:p>
         </p:txBody>
       </p:sp>
@@ -5109,12 +5138,59 @@
               <a:buAutoNum type="arabicPeriod"/>
             </a:pPr>
             <a:r>
-              <a:rPr lang="en-CA" dirty="0">
-                <a:solidFill>
-                  <a:srgbClr val="FF0000"/>
-                </a:solidFill>
-              </a:rPr>
-              <a:t>BRAG ABOUT YOURSELVES</a:t>
+              <a:rPr lang="en-CA" dirty="0"/>
+              <a:t>Worked on task 2 Naïve Bayes and base decision tree models</a:t>
+            </a:r>
+          </a:p>
+          <a:p>
+            <a:pPr marL="457200" indent="-457200">
+              <a:buFont typeface="+mj-lt"/>
+              <a:buAutoNum type="arabicPeriod"/>
+            </a:pPr>
+            <a:r>
+              <a:rPr lang="en-CA" dirty="0"/>
+              <a:t>Generated confusion matrix and precision, recall &amp; f1 measure using </a:t>
+            </a:r>
+            <a:r>
+              <a:rPr lang="en-CA" dirty="0" err="1"/>
+              <a:t>sklearn’s</a:t>
+            </a:r>
+            <a:r>
+              <a:rPr lang="en-CA" dirty="0"/>
+              <a:t> </a:t>
+            </a:r>
+            <a:r>
+              <a:rPr lang="en-CA" dirty="0" err="1"/>
+              <a:t>confusion_matrix</a:t>
+            </a:r>
+            <a:r>
+              <a:rPr lang="en-CA" dirty="0"/>
+              <a:t> and </a:t>
+            </a:r>
+            <a:r>
+              <a:rPr lang="en-CA" dirty="0" err="1"/>
+              <a:t>classification_report</a:t>
+            </a:r>
+            <a:endParaRPr lang="en-CA" dirty="0"/>
+          </a:p>
+          <a:p>
+            <a:pPr marL="457200" indent="-457200">
+              <a:buFont typeface="+mj-lt"/>
+              <a:buAutoNum type="arabicPeriod"/>
+            </a:pPr>
+            <a:r>
+              <a:rPr lang="en-CA" dirty="0"/>
+              <a:t>Worked on task 3 generating output files for the models containing predictions, confusion matrix and metrics</a:t>
+            </a:r>
+          </a:p>
+          <a:p>
+            <a:pPr marL="457200" indent="-457200">
+              <a:buFont typeface="+mj-lt"/>
+              <a:buAutoNum type="arabicPeriod"/>
+            </a:pPr>
+            <a:r>
+              <a:rPr lang="en-CA" dirty="0"/>
+              <a:t>Helped with task 4 error analysis</a:t>
             </a:r>
           </a:p>
           <a:p>
